--- a/docs/01_ng_basics.pptx
+++ b/docs/01_ng_basics.pptx
@@ -5,26 +5,29 @@
     <p:sldMasterId id="2147483648" r:id="rId1"/>
   </p:sldMasterIdLst>
   <p:notesMasterIdLst>
-    <p:notesMasterId r:id="rId19"/>
+    <p:notesMasterId r:id="rId22"/>
   </p:notesMasterIdLst>
   <p:sldIdLst>
     <p:sldId id="256" r:id="rId2"/>
     <p:sldId id="257" r:id="rId3"/>
-    <p:sldId id="269" r:id="rId4"/>
+    <p:sldId id="273" r:id="rId4"/>
     <p:sldId id="268" r:id="rId5"/>
-    <p:sldId id="270" r:id="rId6"/>
-    <p:sldId id="271" r:id="rId7"/>
-    <p:sldId id="267" r:id="rId8"/>
-    <p:sldId id="272" r:id="rId9"/>
-    <p:sldId id="258" r:id="rId10"/>
-    <p:sldId id="259" r:id="rId11"/>
-    <p:sldId id="266" r:id="rId12"/>
-    <p:sldId id="261" r:id="rId13"/>
-    <p:sldId id="260" r:id="rId14"/>
-    <p:sldId id="262" r:id="rId15"/>
-    <p:sldId id="263" r:id="rId16"/>
-    <p:sldId id="264" r:id="rId17"/>
-    <p:sldId id="265" r:id="rId18"/>
+    <p:sldId id="275" r:id="rId6"/>
+    <p:sldId id="274" r:id="rId7"/>
+    <p:sldId id="269" r:id="rId8"/>
+    <p:sldId id="270" r:id="rId9"/>
+    <p:sldId id="271" r:id="rId10"/>
+    <p:sldId id="267" r:id="rId11"/>
+    <p:sldId id="272" r:id="rId12"/>
+    <p:sldId id="258" r:id="rId13"/>
+    <p:sldId id="259" r:id="rId14"/>
+    <p:sldId id="266" r:id="rId15"/>
+    <p:sldId id="261" r:id="rId16"/>
+    <p:sldId id="260" r:id="rId17"/>
+    <p:sldId id="262" r:id="rId18"/>
+    <p:sldId id="263" r:id="rId19"/>
+    <p:sldId id="264" r:id="rId20"/>
+    <p:sldId id="265" r:id="rId21"/>
   </p:sldIdLst>
   <p:sldSz cx="9144000" cy="6858000" type="screen4x3"/>
   <p:notesSz cx="6858000" cy="9144000"/>
@@ -630,27 +633,13 @@
           <a:p>
             <a:r>
               <a:rPr lang="en-US" dirty="0" smtClean="0"/>
-              <a:t>Nothing to do with</a:t>
+              <a:t>make</a:t>
             </a:r>
             <a:r>
               <a:rPr lang="en-US" baseline="0" dirty="0" smtClean="0"/>
-              <a:t> java</a:t>
-            </a:r>
-          </a:p>
-          <a:p>
-            <a:r>
-              <a:rPr lang="en-US" baseline="0" dirty="0" smtClean="0"/>
-              <a:t>Not a scripting </a:t>
-            </a:r>
-            <a:r>
-              <a:rPr lang="en-US" baseline="0" dirty="0" err="1" smtClean="0"/>
-              <a:t>lang</a:t>
-            </a:r>
-            <a:r>
-              <a:rPr lang="en-US" baseline="0" dirty="0" smtClean="0"/>
-              <a:t> anymore</a:t>
-            </a:r>
-            <a:endParaRPr lang="en-US" dirty="0"/>
+              <a:t> picture of ctrl + view</a:t>
+            </a:r>
+            <a:endParaRPr lang="ru-RU" dirty="0"/>
           </a:p>
         </p:txBody>
       </p:sp>
@@ -671,7 +660,7 @@
           <a:p>
             <a:fld id="{DA8CAE91-5FC7-41E5-8054-44424FFBB7AB}" type="slidenum">
               <a:rPr lang="ru-RU" smtClean="0"/>
-              <a:t>16</a:t>
+              <a:t>11</a:t>
             </a:fld>
             <a:endParaRPr lang="ru-RU"/>
           </a:p>
@@ -680,7 +669,7 @@
     </p:spTree>
     <p:extLst>
       <p:ext uri="{BB962C8B-B14F-4D97-AF65-F5344CB8AC3E}">
-        <p14:creationId xmlns:p14="http://schemas.microsoft.com/office/powerpoint/2010/main" val="1226178349"/>
+        <p14:creationId xmlns:p14="http://schemas.microsoft.com/office/powerpoint/2010/main" val="4140982790"/>
       </p:ext>
     </p:extLst>
   </p:cSld>
@@ -736,6 +725,102 @@
           <a:p>
             <a:r>
               <a:rPr lang="en-US" dirty="0" smtClean="0"/>
+              <a:t>ng-if</a:t>
+            </a:r>
+            <a:r>
+              <a:rPr lang="en-US" baseline="0" dirty="0" smtClean="0"/>
+              <a:t> creates a </a:t>
+            </a:r>
+            <a:r>
+              <a:rPr lang="en-US" baseline="0" smtClean="0"/>
+              <a:t>child scope</a:t>
+            </a:r>
+            <a:endParaRPr lang="ru-RU"/>
+          </a:p>
+        </p:txBody>
+      </p:sp>
+      <p:sp>
+        <p:nvSpPr>
+          <p:cNvPr id="4" name="Slide Number Placeholder 3"/>
+          <p:cNvSpPr>
+            <a:spLocks noGrp="1"/>
+          </p:cNvSpPr>
+          <p:nvPr>
+            <p:ph type="sldNum" sz="quarter" idx="10"/>
+          </p:nvPr>
+        </p:nvSpPr>
+        <p:spPr/>
+        <p:txBody>
+          <a:bodyPr/>
+          <a:lstStyle/>
+          <a:p>
+            <a:fld id="{DA8CAE91-5FC7-41E5-8054-44424FFBB7AB}" type="slidenum">
+              <a:rPr lang="ru-RU" smtClean="0"/>
+              <a:t>16</a:t>
+            </a:fld>
+            <a:endParaRPr lang="ru-RU"/>
+          </a:p>
+        </p:txBody>
+      </p:sp>
+    </p:spTree>
+    <p:extLst>
+      <p:ext uri="{BB962C8B-B14F-4D97-AF65-F5344CB8AC3E}">
+        <p14:creationId xmlns:p14="http://schemas.microsoft.com/office/powerpoint/2010/main" val="2358394981"/>
+      </p:ext>
+    </p:extLst>
+  </p:cSld>
+  <p:clrMapOvr>
+    <a:masterClrMapping/>
+  </p:clrMapOvr>
+</p:notes>
+</file>
+
+<file path=ppt/notesSlides/notesSlide12.xml><?xml version="1.0" encoding="utf-8"?>
+<p:notes xmlns:a="http://schemas.openxmlformats.org/drawingml/2006/main" xmlns:r="http://schemas.openxmlformats.org/officeDocument/2006/relationships" xmlns:p="http://schemas.openxmlformats.org/presentationml/2006/main">
+  <p:cSld>
+    <p:spTree>
+      <p:nvGrpSpPr>
+        <p:cNvPr id="1" name=""/>
+        <p:cNvGrpSpPr/>
+        <p:nvPr/>
+      </p:nvGrpSpPr>
+      <p:grpSpPr>
+        <a:xfrm>
+          <a:off x="0" y="0"/>
+          <a:ext cx="0" cy="0"/>
+          <a:chOff x="0" y="0"/>
+          <a:chExt cx="0" cy="0"/>
+        </a:xfrm>
+      </p:grpSpPr>
+      <p:sp>
+        <p:nvSpPr>
+          <p:cNvPr id="2" name="Slide Image Placeholder 1"/>
+          <p:cNvSpPr>
+            <a:spLocks noGrp="1" noRot="1" noChangeAspect="1"/>
+          </p:cNvSpPr>
+          <p:nvPr>
+            <p:ph type="sldImg"/>
+          </p:nvPr>
+        </p:nvSpPr>
+        <p:spPr/>
+      </p:sp>
+      <p:sp>
+        <p:nvSpPr>
+          <p:cNvPr id="3" name="Notes Placeholder 2"/>
+          <p:cNvSpPr>
+            <a:spLocks noGrp="1"/>
+          </p:cNvSpPr>
+          <p:nvPr>
+            <p:ph type="body" idx="1"/>
+          </p:nvPr>
+        </p:nvSpPr>
+        <p:spPr/>
+        <p:txBody>
+          <a:bodyPr/>
+          <a:lstStyle/>
+          <a:p>
+            <a:r>
+              <a:rPr lang="en-US" dirty="0" smtClean="0"/>
               <a:t>Nothing to do with</a:t>
             </a:r>
             <a:r>
@@ -777,7 +862,219 @@
           <a:p>
             <a:fld id="{DA8CAE91-5FC7-41E5-8054-44424FFBB7AB}" type="slidenum">
               <a:rPr lang="ru-RU" smtClean="0"/>
-              <a:t>17</a:t>
+              <a:t>18</a:t>
+            </a:fld>
+            <a:endParaRPr lang="ru-RU"/>
+          </a:p>
+        </p:txBody>
+      </p:sp>
+    </p:spTree>
+    <p:extLst>
+      <p:ext uri="{BB962C8B-B14F-4D97-AF65-F5344CB8AC3E}">
+        <p14:creationId xmlns:p14="http://schemas.microsoft.com/office/powerpoint/2010/main" val="3609066261"/>
+      </p:ext>
+    </p:extLst>
+  </p:cSld>
+  <p:clrMapOvr>
+    <a:masterClrMapping/>
+  </p:clrMapOvr>
+</p:notes>
+</file>
+
+<file path=ppt/notesSlides/notesSlide13.xml><?xml version="1.0" encoding="utf-8"?>
+<p:notes xmlns:a="http://schemas.openxmlformats.org/drawingml/2006/main" xmlns:r="http://schemas.openxmlformats.org/officeDocument/2006/relationships" xmlns:p="http://schemas.openxmlformats.org/presentationml/2006/main">
+  <p:cSld>
+    <p:spTree>
+      <p:nvGrpSpPr>
+        <p:cNvPr id="1" name=""/>
+        <p:cNvGrpSpPr/>
+        <p:nvPr/>
+      </p:nvGrpSpPr>
+      <p:grpSpPr>
+        <a:xfrm>
+          <a:off x="0" y="0"/>
+          <a:ext cx="0" cy="0"/>
+          <a:chOff x="0" y="0"/>
+          <a:chExt cx="0" cy="0"/>
+        </a:xfrm>
+      </p:grpSpPr>
+      <p:sp>
+        <p:nvSpPr>
+          <p:cNvPr id="2" name="Slide Image Placeholder 1"/>
+          <p:cNvSpPr>
+            <a:spLocks noGrp="1" noRot="1" noChangeAspect="1"/>
+          </p:cNvSpPr>
+          <p:nvPr>
+            <p:ph type="sldImg"/>
+          </p:nvPr>
+        </p:nvSpPr>
+        <p:spPr/>
+      </p:sp>
+      <p:sp>
+        <p:nvSpPr>
+          <p:cNvPr id="3" name="Notes Placeholder 2"/>
+          <p:cNvSpPr>
+            <a:spLocks noGrp="1"/>
+          </p:cNvSpPr>
+          <p:nvPr>
+            <p:ph type="body" idx="1"/>
+          </p:nvPr>
+        </p:nvSpPr>
+        <p:spPr/>
+        <p:txBody>
+          <a:bodyPr/>
+          <a:lstStyle/>
+          <a:p>
+            <a:r>
+              <a:rPr lang="en-US" dirty="0" smtClean="0"/>
+              <a:t>Nothing to do with</a:t>
+            </a:r>
+            <a:r>
+              <a:rPr lang="en-US" baseline="0" dirty="0" smtClean="0"/>
+              <a:t> java</a:t>
+            </a:r>
+          </a:p>
+          <a:p>
+            <a:r>
+              <a:rPr lang="en-US" baseline="0" dirty="0" smtClean="0"/>
+              <a:t>Not a scripting </a:t>
+            </a:r>
+            <a:r>
+              <a:rPr lang="en-US" baseline="0" dirty="0" err="1" smtClean="0"/>
+              <a:t>lang</a:t>
+            </a:r>
+            <a:r>
+              <a:rPr lang="en-US" baseline="0" dirty="0" smtClean="0"/>
+              <a:t> anymore</a:t>
+            </a:r>
+            <a:endParaRPr lang="en-US" dirty="0"/>
+          </a:p>
+        </p:txBody>
+      </p:sp>
+      <p:sp>
+        <p:nvSpPr>
+          <p:cNvPr id="4" name="Slide Number Placeholder 3"/>
+          <p:cNvSpPr>
+            <a:spLocks noGrp="1"/>
+          </p:cNvSpPr>
+          <p:nvPr>
+            <p:ph type="sldNum" sz="quarter" idx="10"/>
+          </p:nvPr>
+        </p:nvSpPr>
+        <p:spPr/>
+        <p:txBody>
+          <a:bodyPr/>
+          <a:lstStyle/>
+          <a:p>
+            <a:fld id="{DA8CAE91-5FC7-41E5-8054-44424FFBB7AB}" type="slidenum">
+              <a:rPr lang="ru-RU" smtClean="0"/>
+              <a:t>19</a:t>
+            </a:fld>
+            <a:endParaRPr lang="ru-RU"/>
+          </a:p>
+        </p:txBody>
+      </p:sp>
+    </p:spTree>
+    <p:extLst>
+      <p:ext uri="{BB962C8B-B14F-4D97-AF65-F5344CB8AC3E}">
+        <p14:creationId xmlns:p14="http://schemas.microsoft.com/office/powerpoint/2010/main" val="1226178349"/>
+      </p:ext>
+    </p:extLst>
+  </p:cSld>
+  <p:clrMapOvr>
+    <a:masterClrMapping/>
+  </p:clrMapOvr>
+</p:notes>
+</file>
+
+<file path=ppt/notesSlides/notesSlide14.xml><?xml version="1.0" encoding="utf-8"?>
+<p:notes xmlns:a="http://schemas.openxmlformats.org/drawingml/2006/main" xmlns:r="http://schemas.openxmlformats.org/officeDocument/2006/relationships" xmlns:p="http://schemas.openxmlformats.org/presentationml/2006/main">
+  <p:cSld>
+    <p:spTree>
+      <p:nvGrpSpPr>
+        <p:cNvPr id="1" name=""/>
+        <p:cNvGrpSpPr/>
+        <p:nvPr/>
+      </p:nvGrpSpPr>
+      <p:grpSpPr>
+        <a:xfrm>
+          <a:off x="0" y="0"/>
+          <a:ext cx="0" cy="0"/>
+          <a:chOff x="0" y="0"/>
+          <a:chExt cx="0" cy="0"/>
+        </a:xfrm>
+      </p:grpSpPr>
+      <p:sp>
+        <p:nvSpPr>
+          <p:cNvPr id="2" name="Slide Image Placeholder 1"/>
+          <p:cNvSpPr>
+            <a:spLocks noGrp="1" noRot="1" noChangeAspect="1"/>
+          </p:cNvSpPr>
+          <p:nvPr>
+            <p:ph type="sldImg"/>
+          </p:nvPr>
+        </p:nvSpPr>
+        <p:spPr/>
+      </p:sp>
+      <p:sp>
+        <p:nvSpPr>
+          <p:cNvPr id="3" name="Notes Placeholder 2"/>
+          <p:cNvSpPr>
+            <a:spLocks noGrp="1"/>
+          </p:cNvSpPr>
+          <p:nvPr>
+            <p:ph type="body" idx="1"/>
+          </p:nvPr>
+        </p:nvSpPr>
+        <p:spPr/>
+        <p:txBody>
+          <a:bodyPr/>
+          <a:lstStyle/>
+          <a:p>
+            <a:r>
+              <a:rPr lang="en-US" dirty="0" smtClean="0"/>
+              <a:t>Nothing to do with</a:t>
+            </a:r>
+            <a:r>
+              <a:rPr lang="en-US" baseline="0" dirty="0" smtClean="0"/>
+              <a:t> java</a:t>
+            </a:r>
+          </a:p>
+          <a:p>
+            <a:r>
+              <a:rPr lang="en-US" baseline="0" dirty="0" smtClean="0"/>
+              <a:t>Not a scripting </a:t>
+            </a:r>
+            <a:r>
+              <a:rPr lang="en-US" baseline="0" dirty="0" err="1" smtClean="0"/>
+              <a:t>lang</a:t>
+            </a:r>
+            <a:r>
+              <a:rPr lang="en-US" baseline="0" dirty="0" smtClean="0"/>
+              <a:t> anymore</a:t>
+            </a:r>
+            <a:endParaRPr lang="en-US" dirty="0"/>
+          </a:p>
+        </p:txBody>
+      </p:sp>
+      <p:sp>
+        <p:nvSpPr>
+          <p:cNvPr id="4" name="Slide Number Placeholder 3"/>
+          <p:cNvSpPr>
+            <a:spLocks noGrp="1"/>
+          </p:cNvSpPr>
+          <p:nvPr>
+            <p:ph type="sldNum" sz="quarter" idx="10"/>
+          </p:nvPr>
+        </p:nvSpPr>
+        <p:spPr/>
+        <p:txBody>
+          <a:bodyPr/>
+          <a:lstStyle/>
+          <a:p>
+            <a:fld id="{DA8CAE91-5FC7-41E5-8054-44424FFBB7AB}" type="slidenum">
+              <a:rPr lang="ru-RU" smtClean="0"/>
+              <a:t>20</a:t>
             </a:fld>
             <a:endParaRPr lang="ru-RU"/>
           </a:p>
@@ -878,7 +1175,7 @@
     </p:spTree>
     <p:extLst>
       <p:ext uri="{BB962C8B-B14F-4D97-AF65-F5344CB8AC3E}">
-        <p14:creationId xmlns:p14="http://schemas.microsoft.com/office/powerpoint/2010/main" val="4275814761"/>
+        <p14:creationId xmlns:p14="http://schemas.microsoft.com/office/powerpoint/2010/main" val="1068933017"/>
       </p:ext>
     </p:extLst>
   </p:cSld>
@@ -1062,7 +1359,7 @@
     </p:spTree>
     <p:extLst>
       <p:ext uri="{BB962C8B-B14F-4D97-AF65-F5344CB8AC3E}">
-        <p14:creationId xmlns:p14="http://schemas.microsoft.com/office/powerpoint/2010/main" val="3500800206"/>
+        <p14:creationId xmlns:p14="http://schemas.microsoft.com/office/powerpoint/2010/main" val="15394956"/>
       </p:ext>
     </p:extLst>
   </p:cSld>
@@ -1154,7 +1451,7 @@
     </p:spTree>
     <p:extLst>
       <p:ext uri="{BB962C8B-B14F-4D97-AF65-F5344CB8AC3E}">
-        <p14:creationId xmlns:p14="http://schemas.microsoft.com/office/powerpoint/2010/main" val="4149209114"/>
+        <p14:creationId xmlns:p14="http://schemas.microsoft.com/office/powerpoint/2010/main" val="3080837138"/>
       </p:ext>
     </p:extLst>
   </p:cSld>
@@ -1246,7 +1543,7 @@
     </p:spTree>
     <p:extLst>
       <p:ext uri="{BB962C8B-B14F-4D97-AF65-F5344CB8AC3E}">
-        <p14:creationId xmlns:p14="http://schemas.microsoft.com/office/powerpoint/2010/main" val="2208590362"/>
+        <p14:creationId xmlns:p14="http://schemas.microsoft.com/office/powerpoint/2010/main" val="4275814761"/>
       </p:ext>
     </p:extLst>
   </p:cSld>
@@ -1338,7 +1635,7 @@
     </p:spTree>
     <p:extLst>
       <p:ext uri="{BB962C8B-B14F-4D97-AF65-F5344CB8AC3E}">
-        <p14:creationId xmlns:p14="http://schemas.microsoft.com/office/powerpoint/2010/main" val="4140982790"/>
+        <p14:creationId xmlns:p14="http://schemas.microsoft.com/office/powerpoint/2010/main" val="3500800206"/>
       </p:ext>
     </p:extLst>
   </p:cSld>
@@ -1394,17 +1691,13 @@
           <a:p>
             <a:r>
               <a:rPr lang="en-US" dirty="0" smtClean="0"/>
-              <a:t>ng-if</a:t>
+              <a:t>make</a:t>
             </a:r>
             <a:r>
               <a:rPr lang="en-US" baseline="0" dirty="0" smtClean="0"/>
-              <a:t> creates a </a:t>
-            </a:r>
-            <a:r>
-              <a:rPr lang="en-US" baseline="0" smtClean="0"/>
-              <a:t>child scope</a:t>
-            </a:r>
-            <a:endParaRPr lang="ru-RU"/>
+              <a:t> picture of ctrl + view</a:t>
+            </a:r>
+            <a:endParaRPr lang="ru-RU" dirty="0"/>
           </a:p>
         </p:txBody>
       </p:sp>
@@ -1425,7 +1718,7 @@
           <a:p>
             <a:fld id="{DA8CAE91-5FC7-41E5-8054-44424FFBB7AB}" type="slidenum">
               <a:rPr lang="ru-RU" smtClean="0"/>
-              <a:t>13</a:t>
+              <a:t>9</a:t>
             </a:fld>
             <a:endParaRPr lang="ru-RU"/>
           </a:p>
@@ -1434,7 +1727,7 @@
     </p:spTree>
     <p:extLst>
       <p:ext uri="{BB962C8B-B14F-4D97-AF65-F5344CB8AC3E}">
-        <p14:creationId xmlns:p14="http://schemas.microsoft.com/office/powerpoint/2010/main" val="2358394981"/>
+        <p14:creationId xmlns:p14="http://schemas.microsoft.com/office/powerpoint/2010/main" val="4149209114"/>
       </p:ext>
     </p:extLst>
   </p:cSld>
@@ -1490,27 +1783,13 @@
           <a:p>
             <a:r>
               <a:rPr lang="en-US" dirty="0" smtClean="0"/>
-              <a:t>Nothing to do with</a:t>
+              <a:t>make</a:t>
             </a:r>
             <a:r>
               <a:rPr lang="en-US" baseline="0" dirty="0" smtClean="0"/>
-              <a:t> java</a:t>
-            </a:r>
-          </a:p>
-          <a:p>
-            <a:r>
-              <a:rPr lang="en-US" baseline="0" dirty="0" smtClean="0"/>
-              <a:t>Not a scripting </a:t>
-            </a:r>
-            <a:r>
-              <a:rPr lang="en-US" baseline="0" dirty="0" err="1" smtClean="0"/>
-              <a:t>lang</a:t>
-            </a:r>
-            <a:r>
-              <a:rPr lang="en-US" baseline="0" dirty="0" smtClean="0"/>
-              <a:t> anymore</a:t>
-            </a:r>
-            <a:endParaRPr lang="en-US" dirty="0"/>
+              <a:t> picture of ctrl + view</a:t>
+            </a:r>
+            <a:endParaRPr lang="ru-RU" dirty="0"/>
           </a:p>
         </p:txBody>
       </p:sp>
@@ -1531,7 +1810,7 @@
           <a:p>
             <a:fld id="{DA8CAE91-5FC7-41E5-8054-44424FFBB7AB}" type="slidenum">
               <a:rPr lang="ru-RU" smtClean="0"/>
-              <a:t>15</a:t>
+              <a:t>10</a:t>
             </a:fld>
             <a:endParaRPr lang="ru-RU"/>
           </a:p>
@@ -1540,7 +1819,7 @@
     </p:spTree>
     <p:extLst>
       <p:ext uri="{BB962C8B-B14F-4D97-AF65-F5344CB8AC3E}">
-        <p14:creationId xmlns:p14="http://schemas.microsoft.com/office/powerpoint/2010/main" val="3609066261"/>
+        <p14:creationId xmlns:p14="http://schemas.microsoft.com/office/powerpoint/2010/main" val="2208590362"/>
       </p:ext>
     </p:extLst>
   </p:cSld>
@@ -3984,9 +4263,7 @@
     <p:bg>
       <p:bgPr>
         <a:solidFill>
-          <a:schemeClr val="bg1">
-            <a:lumMod val="95000"/>
-          </a:schemeClr>
+          <a:schemeClr val="bg1"/>
         </a:solidFill>
         <a:effectLst/>
       </p:bgPr>
@@ -4496,7 +4773,7 @@
     <p:bg>
       <p:bgPr>
         <a:solidFill>
-          <a:srgbClr val="ECEFF1"/>
+          <a:srgbClr val="F3F3F3"/>
         </a:solidFill>
         <a:effectLst/>
       </p:bgPr>
@@ -4653,6 +4930,370 @@
 </file>
 
 <file path=ppt/slides/slide10.xml><?xml version="1.0" encoding="utf-8"?>
+<p:sld xmlns:a="http://schemas.openxmlformats.org/drawingml/2006/main" xmlns:r="http://schemas.openxmlformats.org/officeDocument/2006/relationships" xmlns:p="http://schemas.openxmlformats.org/presentationml/2006/main">
+  <p:cSld>
+    <p:spTree>
+      <p:nvGrpSpPr>
+        <p:cNvPr id="1" name=""/>
+        <p:cNvGrpSpPr/>
+        <p:nvPr/>
+      </p:nvGrpSpPr>
+      <p:grpSpPr>
+        <a:xfrm>
+          <a:off x="0" y="0"/>
+          <a:ext cx="0" cy="0"/>
+          <a:chOff x="0" y="0"/>
+          <a:chExt cx="0" cy="0"/>
+        </a:xfrm>
+      </p:grpSpPr>
+      <p:sp>
+        <p:nvSpPr>
+          <p:cNvPr id="2" name="Title 1"/>
+          <p:cNvSpPr>
+            <a:spLocks noGrp="1"/>
+          </p:cNvSpPr>
+          <p:nvPr>
+            <p:ph type="title"/>
+          </p:nvPr>
+        </p:nvSpPr>
+        <p:spPr/>
+        <p:txBody>
+          <a:bodyPr/>
+          <a:lstStyle/>
+          <a:p>
+            <a:r>
+              <a:rPr lang="en-US" dirty="0" smtClean="0">
+                <a:latin typeface="Courier New" panose="02070309020205020404" pitchFamily="49" charset="0"/>
+                <a:cs typeface="Courier New" panose="02070309020205020404" pitchFamily="49" charset="0"/>
+              </a:rPr>
+              <a:t>$scope</a:t>
+            </a:r>
+            <a:endParaRPr lang="ru-RU" dirty="0">
+              <a:latin typeface="Courier New" panose="02070309020205020404" pitchFamily="49" charset="0"/>
+              <a:cs typeface="Courier New" panose="02070309020205020404" pitchFamily="49" charset="0"/>
+            </a:endParaRPr>
+          </a:p>
+        </p:txBody>
+      </p:sp>
+      <p:sp>
+        <p:nvSpPr>
+          <p:cNvPr id="3" name="Content Placeholder 2"/>
+          <p:cNvSpPr>
+            <a:spLocks noGrp="1"/>
+          </p:cNvSpPr>
+          <p:nvPr>
+            <p:ph idx="1"/>
+          </p:nvPr>
+        </p:nvSpPr>
+        <p:spPr>
+          <a:xfrm>
+            <a:off x="457200" y="1600200"/>
+            <a:ext cx="8229600" cy="3809999"/>
+          </a:xfrm>
+        </p:spPr>
+        <p:txBody>
+          <a:bodyPr>
+            <a:normAutofit/>
+          </a:bodyPr>
+          <a:lstStyle/>
+          <a:p>
+            <a:r>
+              <a:rPr lang="en-US" dirty="0"/>
+              <a:t>In an AngularJS application, the controller and view share an object called a </a:t>
+            </a:r>
+            <a:r>
+              <a:rPr lang="en-US" dirty="0" smtClean="0"/>
+              <a:t>scope</a:t>
+            </a:r>
+          </a:p>
+          <a:p>
+            <a:r>
+              <a:rPr lang="en-US" dirty="0" smtClean="0"/>
+              <a:t>scope has </a:t>
+            </a:r>
+            <a:r>
+              <a:rPr lang="en-US" dirty="0"/>
+              <a:t>two-way data </a:t>
+            </a:r>
+            <a:r>
+              <a:rPr lang="en-US" dirty="0" smtClean="0"/>
+              <a:t>binding</a:t>
+            </a:r>
+          </a:p>
+          <a:p>
+            <a:r>
+              <a:rPr lang="en-US" dirty="0"/>
+              <a:t>$</a:t>
+            </a:r>
+            <a:r>
+              <a:rPr lang="en-US" dirty="0" err="1" smtClean="0"/>
+              <a:t>rootScope</a:t>
+            </a:r>
+            <a:r>
+              <a:rPr lang="en-US" dirty="0" smtClean="0"/>
+              <a:t> is always created on app start</a:t>
+            </a:r>
+            <a:endParaRPr lang="ru-RU" dirty="0"/>
+          </a:p>
+        </p:txBody>
+      </p:sp>
+    </p:spTree>
+    <p:extLst>
+      <p:ext uri="{BB962C8B-B14F-4D97-AF65-F5344CB8AC3E}">
+        <p14:creationId xmlns:p14="http://schemas.microsoft.com/office/powerpoint/2010/main" val="2019787567"/>
+      </p:ext>
+    </p:extLst>
+  </p:cSld>
+  <p:clrMapOvr>
+    <a:masterClrMapping/>
+  </p:clrMapOvr>
+  <mc:AlternateContent xmlns:mc="http://schemas.openxmlformats.org/markup-compatibility/2006" xmlns:p14="http://schemas.microsoft.com/office/powerpoint/2010/main">
+    <mc:Choice Requires="p14">
+      <p:transition spd="slow" p14:dur="2000"/>
+    </mc:Choice>
+    <mc:Fallback xmlns="">
+      <p:transition spd="slow"/>
+    </mc:Fallback>
+  </mc:AlternateContent>
+  <p:timing>
+    <p:tnLst>
+      <p:par>
+        <p:cTn id="1" dur="indefinite" restart="never" nodeType="tmRoot"/>
+      </p:par>
+    </p:tnLst>
+  </p:timing>
+</p:sld>
+</file>
+
+<file path=ppt/slides/slide11.xml><?xml version="1.0" encoding="utf-8"?>
+<p:sld xmlns:a="http://schemas.openxmlformats.org/drawingml/2006/main" xmlns:r="http://schemas.openxmlformats.org/officeDocument/2006/relationships" xmlns:p="http://schemas.openxmlformats.org/presentationml/2006/main">
+  <p:cSld>
+    <p:spTree>
+      <p:nvGrpSpPr>
+        <p:cNvPr id="1" name=""/>
+        <p:cNvGrpSpPr/>
+        <p:nvPr/>
+      </p:nvGrpSpPr>
+      <p:grpSpPr>
+        <a:xfrm>
+          <a:off x="0" y="0"/>
+          <a:ext cx="0" cy="0"/>
+          <a:chOff x="0" y="0"/>
+          <a:chExt cx="0" cy="0"/>
+        </a:xfrm>
+      </p:grpSpPr>
+      <p:sp>
+        <p:nvSpPr>
+          <p:cNvPr id="2" name="Title 1"/>
+          <p:cNvSpPr>
+            <a:spLocks noGrp="1"/>
+          </p:cNvSpPr>
+          <p:nvPr>
+            <p:ph type="title"/>
+          </p:nvPr>
+        </p:nvSpPr>
+        <p:spPr/>
+        <p:txBody>
+          <a:bodyPr/>
+          <a:lstStyle/>
+          <a:p>
+            <a:r>
+              <a:rPr lang="en-US" dirty="0" smtClean="0">
+                <a:latin typeface="Courier New" panose="02070309020205020404" pitchFamily="49" charset="0"/>
+                <a:cs typeface="Courier New" panose="02070309020205020404" pitchFamily="49" charset="0"/>
+              </a:rPr>
+              <a:t>$ build-in services</a:t>
+            </a:r>
+            <a:endParaRPr lang="ru-RU" dirty="0">
+              <a:latin typeface="Courier New" panose="02070309020205020404" pitchFamily="49" charset="0"/>
+              <a:cs typeface="Courier New" panose="02070309020205020404" pitchFamily="49" charset="0"/>
+            </a:endParaRPr>
+          </a:p>
+        </p:txBody>
+      </p:sp>
+      <p:sp>
+        <p:nvSpPr>
+          <p:cNvPr id="3" name="Content Placeholder 2"/>
+          <p:cNvSpPr>
+            <a:spLocks noGrp="1"/>
+          </p:cNvSpPr>
+          <p:nvPr>
+            <p:ph idx="1"/>
+          </p:nvPr>
+        </p:nvSpPr>
+        <p:spPr>
+          <a:xfrm>
+            <a:off x="457200" y="1600200"/>
+            <a:ext cx="8229600" cy="3809999"/>
+          </a:xfrm>
+        </p:spPr>
+        <p:txBody>
+          <a:bodyPr>
+            <a:normAutofit/>
+          </a:bodyPr>
+          <a:lstStyle/>
+          <a:p>
+            <a:r>
+              <a:rPr lang="en-US" dirty="0" smtClean="0"/>
+              <a:t>services are lazy-initialized</a:t>
+            </a:r>
+          </a:p>
+          <a:p>
+            <a:r>
+              <a:rPr lang="en-US" dirty="0" smtClean="0"/>
+              <a:t>build-in services always start with </a:t>
+            </a:r>
+            <a:r>
+              <a:rPr lang="en-US" dirty="0" smtClean="0">
+                <a:latin typeface="Courier New" panose="02070309020205020404" pitchFamily="49" charset="0"/>
+                <a:cs typeface="Courier New" panose="02070309020205020404" pitchFamily="49" charset="0"/>
+              </a:rPr>
+              <a:t>$</a:t>
+            </a:r>
+          </a:p>
+          <a:p>
+            <a:endParaRPr lang="ru-RU" dirty="0">
+              <a:latin typeface="+mj-lt"/>
+              <a:cs typeface="Courier New" panose="02070309020205020404" pitchFamily="49" charset="0"/>
+            </a:endParaRPr>
+          </a:p>
+        </p:txBody>
+      </p:sp>
+    </p:spTree>
+    <p:extLst>
+      <p:ext uri="{BB962C8B-B14F-4D97-AF65-F5344CB8AC3E}">
+        <p14:creationId xmlns:p14="http://schemas.microsoft.com/office/powerpoint/2010/main" val="1584952820"/>
+      </p:ext>
+    </p:extLst>
+  </p:cSld>
+  <p:clrMapOvr>
+    <a:masterClrMapping/>
+  </p:clrMapOvr>
+  <mc:AlternateContent xmlns:mc="http://schemas.openxmlformats.org/markup-compatibility/2006" xmlns:p14="http://schemas.microsoft.com/office/powerpoint/2010/main">
+    <mc:Choice Requires="p14">
+      <p:transition spd="slow" p14:dur="2000"/>
+    </mc:Choice>
+    <mc:Fallback xmlns="">
+      <p:transition spd="slow"/>
+    </mc:Fallback>
+  </mc:AlternateContent>
+  <p:timing>
+    <p:tnLst>
+      <p:par>
+        <p:cTn id="1" dur="indefinite" restart="never" nodeType="tmRoot"/>
+      </p:par>
+    </p:tnLst>
+  </p:timing>
+</p:sld>
+</file>
+
+<file path=ppt/slides/slide12.xml><?xml version="1.0" encoding="utf-8"?>
+<p:sld xmlns:a="http://schemas.openxmlformats.org/drawingml/2006/main" xmlns:r="http://schemas.openxmlformats.org/officeDocument/2006/relationships" xmlns:p="http://schemas.openxmlformats.org/presentationml/2006/main">
+  <p:cSld>
+    <p:spTree>
+      <p:nvGrpSpPr>
+        <p:cNvPr id="1" name=""/>
+        <p:cNvGrpSpPr/>
+        <p:nvPr/>
+      </p:nvGrpSpPr>
+      <p:grpSpPr>
+        <a:xfrm>
+          <a:off x="0" y="0"/>
+          <a:ext cx="0" cy="0"/>
+          <a:chOff x="0" y="0"/>
+          <a:chExt cx="0" cy="0"/>
+        </a:xfrm>
+      </p:grpSpPr>
+      <p:sp>
+        <p:nvSpPr>
+          <p:cNvPr id="2" name="Title 1"/>
+          <p:cNvSpPr>
+            <a:spLocks noGrp="1"/>
+          </p:cNvSpPr>
+          <p:nvPr>
+            <p:ph type="title"/>
+          </p:nvPr>
+        </p:nvSpPr>
+        <p:spPr/>
+        <p:txBody>
+          <a:bodyPr/>
+          <a:lstStyle/>
+          <a:p>
+            <a:r>
+              <a:rPr lang="en-US" dirty="0" smtClean="0">
+                <a:latin typeface="Courier New" panose="02070309020205020404" pitchFamily="49" charset="0"/>
+                <a:cs typeface="Courier New" panose="02070309020205020404" pitchFamily="49" charset="0"/>
+              </a:rPr>
+              <a:t>Application lifecycle</a:t>
+            </a:r>
+            <a:endParaRPr lang="ru-RU" dirty="0">
+              <a:latin typeface="Courier New" panose="02070309020205020404" pitchFamily="49" charset="0"/>
+              <a:cs typeface="Courier New" panose="02070309020205020404" pitchFamily="49" charset="0"/>
+            </a:endParaRPr>
+          </a:p>
+        </p:txBody>
+      </p:sp>
+      <p:sp>
+        <p:nvSpPr>
+          <p:cNvPr id="3" name="Content Placeholder 2"/>
+          <p:cNvSpPr>
+            <a:spLocks noGrp="1"/>
+          </p:cNvSpPr>
+          <p:nvPr>
+            <p:ph idx="1"/>
+          </p:nvPr>
+        </p:nvSpPr>
+        <p:spPr/>
+        <p:txBody>
+          <a:bodyPr/>
+          <a:lstStyle/>
+          <a:p>
+            <a:r>
+              <a:rPr lang="en-US" dirty="0" smtClean="0"/>
+              <a:t>starts the app, creates $</a:t>
+            </a:r>
+            <a:r>
+              <a:rPr lang="en-US" dirty="0" err="1" smtClean="0"/>
+              <a:t>rootScope</a:t>
+            </a:r>
+            <a:endParaRPr lang="en-US" dirty="0" smtClean="0"/>
+          </a:p>
+          <a:p>
+            <a:r>
+              <a:rPr lang="en-US" dirty="0" smtClean="0"/>
+              <a:t>“compiles” the DOM, searches for directives</a:t>
+            </a:r>
+          </a:p>
+          <a:p>
+            <a:r>
+              <a:rPr lang="en-US" dirty="0" smtClean="0"/>
+              <a:t>creates the scopes tree that “mirrors” the DOM</a:t>
+            </a:r>
+            <a:endParaRPr lang="ru-RU" dirty="0"/>
+          </a:p>
+        </p:txBody>
+      </p:sp>
+    </p:spTree>
+    <p:extLst>
+      <p:ext uri="{BB962C8B-B14F-4D97-AF65-F5344CB8AC3E}">
+        <p14:creationId xmlns:p14="http://schemas.microsoft.com/office/powerpoint/2010/main" val="1797790202"/>
+      </p:ext>
+    </p:extLst>
+  </p:cSld>
+  <p:clrMapOvr>
+    <a:masterClrMapping/>
+  </p:clrMapOvr>
+  <p:timing>
+    <p:tnLst>
+      <p:par>
+        <p:cTn id="1" dur="indefinite" restart="never" nodeType="tmRoot"/>
+      </p:par>
+    </p:tnLst>
+  </p:timing>
+</p:sld>
+</file>
+
+<file path=ppt/slides/slide13.xml><?xml version="1.0" encoding="utf-8"?>
 <p:sld xmlns:a="http://schemas.openxmlformats.org/drawingml/2006/main" xmlns:r="http://schemas.openxmlformats.org/officeDocument/2006/relationships" xmlns:p="http://schemas.openxmlformats.org/presentationml/2006/main">
   <p:cSld>
     <p:spTree>
@@ -5678,7 +6319,7 @@
 </p:sld>
 </file>
 
-<file path=ppt/slides/slide11.xml><?xml version="1.0" encoding="utf-8"?>
+<file path=ppt/slides/slide14.xml><?xml version="1.0" encoding="utf-8"?>
 <p:sld xmlns:a="http://schemas.openxmlformats.org/drawingml/2006/main" xmlns:r="http://schemas.openxmlformats.org/officeDocument/2006/relationships" xmlns:p="http://schemas.openxmlformats.org/presentationml/2006/main">
   <p:cSld>
     <p:spTree>
@@ -5773,7 +6414,7 @@
 </p:sld>
 </file>
 
-<file path=ppt/slides/slide12.xml><?xml version="1.0" encoding="utf-8"?>
+<file path=ppt/slides/slide15.xml><?xml version="1.0" encoding="utf-8"?>
 <p:sld xmlns:a="http://schemas.openxmlformats.org/drawingml/2006/main" xmlns:r="http://schemas.openxmlformats.org/officeDocument/2006/relationships" xmlns:p="http://schemas.openxmlformats.org/presentationml/2006/main">
   <p:cSld>
     <p:spTree>
@@ -5861,270 +6502,6 @@
 </p:sld>
 </file>
 
-<file path=ppt/slides/slide13.xml><?xml version="1.0" encoding="utf-8"?>
-<p:sld xmlns:a="http://schemas.openxmlformats.org/drawingml/2006/main" xmlns:r="http://schemas.openxmlformats.org/officeDocument/2006/relationships" xmlns:p="http://schemas.openxmlformats.org/presentationml/2006/main">
-  <p:cSld>
-    <p:spTree>
-      <p:nvGrpSpPr>
-        <p:cNvPr id="1" name=""/>
-        <p:cNvGrpSpPr/>
-        <p:nvPr/>
-      </p:nvGrpSpPr>
-      <p:grpSpPr>
-        <a:xfrm>
-          <a:off x="0" y="0"/>
-          <a:ext cx="0" cy="0"/>
-          <a:chOff x="0" y="0"/>
-          <a:chExt cx="0" cy="0"/>
-        </a:xfrm>
-      </p:grpSpPr>
-      <p:sp>
-        <p:nvSpPr>
-          <p:cNvPr id="2" name="Title 1"/>
-          <p:cNvSpPr>
-            <a:spLocks noGrp="1"/>
-          </p:cNvSpPr>
-          <p:nvPr>
-            <p:ph type="title"/>
-          </p:nvPr>
-        </p:nvSpPr>
-        <p:spPr/>
-        <p:txBody>
-          <a:bodyPr/>
-          <a:lstStyle/>
-          <a:p>
-            <a:r>
-              <a:rPr lang="en-US" dirty="0" smtClean="0"/>
-              <a:t>Scope inheritance</a:t>
-            </a:r>
-            <a:endParaRPr lang="ru-RU" dirty="0"/>
-          </a:p>
-        </p:txBody>
-      </p:sp>
-      <p:sp>
-        <p:nvSpPr>
-          <p:cNvPr id="3" name="Content Placeholder 2"/>
-          <p:cNvSpPr>
-            <a:spLocks noGrp="1"/>
-          </p:cNvSpPr>
-          <p:nvPr>
-            <p:ph idx="1"/>
-          </p:nvPr>
-        </p:nvSpPr>
-        <p:spPr/>
-        <p:txBody>
-          <a:bodyPr/>
-          <a:lstStyle/>
-          <a:p>
-            <a:r>
-              <a:rPr lang="en-US" dirty="0" smtClean="0"/>
-              <a:t>parent scope </a:t>
-            </a:r>
-            <a:r>
-              <a:rPr lang="en-US" dirty="0" err="1" smtClean="0"/>
-              <a:t>vars</a:t>
-            </a:r>
-            <a:r>
-              <a:rPr lang="en-US" dirty="0" smtClean="0"/>
-              <a:t> in inherited in child scope</a:t>
-            </a:r>
-          </a:p>
-          <a:p>
-            <a:r>
-              <a:rPr lang="en-US" dirty="0" smtClean="0"/>
-              <a:t>unless it’s an isolated scope</a:t>
-            </a:r>
-          </a:p>
-          <a:p>
-            <a:r>
-              <a:rPr lang="en-US" dirty="0" smtClean="0"/>
-              <a:t>scopes are inherited using prototype</a:t>
-            </a:r>
-            <a:endParaRPr lang="ru-RU" dirty="0"/>
-          </a:p>
-        </p:txBody>
-      </p:sp>
-    </p:spTree>
-    <p:extLst>
-      <p:ext uri="{BB962C8B-B14F-4D97-AF65-F5344CB8AC3E}">
-        <p14:creationId xmlns:p14="http://schemas.microsoft.com/office/powerpoint/2010/main" val="3403269080"/>
-      </p:ext>
-    </p:extLst>
-  </p:cSld>
-  <p:clrMapOvr>
-    <a:masterClrMapping/>
-  </p:clrMapOvr>
-</p:sld>
-</file>
-
-<file path=ppt/slides/slide14.xml><?xml version="1.0" encoding="utf-8"?>
-<p:sld xmlns:a="http://schemas.openxmlformats.org/drawingml/2006/main" xmlns:r="http://schemas.openxmlformats.org/officeDocument/2006/relationships" xmlns:p="http://schemas.openxmlformats.org/presentationml/2006/main">
-  <p:cSld>
-    <p:spTree>
-      <p:nvGrpSpPr>
-        <p:cNvPr id="1" name=""/>
-        <p:cNvGrpSpPr/>
-        <p:nvPr/>
-      </p:nvGrpSpPr>
-      <p:grpSpPr>
-        <a:xfrm>
-          <a:off x="0" y="0"/>
-          <a:ext cx="0" cy="0"/>
-          <a:chOff x="0" y="0"/>
-          <a:chExt cx="0" cy="0"/>
-        </a:xfrm>
-      </p:grpSpPr>
-      <p:sp>
-        <p:nvSpPr>
-          <p:cNvPr id="2" name="Title 1"/>
-          <p:cNvSpPr>
-            <a:spLocks noGrp="1"/>
-          </p:cNvSpPr>
-          <p:nvPr>
-            <p:ph type="title"/>
-          </p:nvPr>
-        </p:nvSpPr>
-        <p:spPr/>
-        <p:txBody>
-          <a:bodyPr/>
-          <a:lstStyle/>
-          <a:p>
-            <a:r>
-              <a:rPr lang="en-US" dirty="0" smtClean="0">
-                <a:latin typeface="Courier New" panose="02070309020205020404" pitchFamily="49" charset="0"/>
-                <a:cs typeface="Courier New" panose="02070309020205020404" pitchFamily="49" charset="0"/>
-              </a:rPr>
-              <a:t>HTML 5</a:t>
-            </a:r>
-            <a:endParaRPr lang="en-US" dirty="0">
-              <a:latin typeface="Courier New" panose="02070309020205020404" pitchFamily="49" charset="0"/>
-              <a:cs typeface="Courier New" panose="02070309020205020404" pitchFamily="49" charset="0"/>
-            </a:endParaRPr>
-          </a:p>
-        </p:txBody>
-      </p:sp>
-      <p:sp>
-        <p:nvSpPr>
-          <p:cNvPr id="3" name="Content Placeholder 2"/>
-          <p:cNvSpPr>
-            <a:spLocks noGrp="1"/>
-          </p:cNvSpPr>
-          <p:nvPr>
-            <p:ph idx="1"/>
-          </p:nvPr>
-        </p:nvSpPr>
-        <p:spPr/>
-        <p:txBody>
-          <a:bodyPr/>
-          <a:lstStyle/>
-          <a:p>
-            <a:r>
-              <a:rPr lang="en-US" dirty="0"/>
-              <a:t>&lt;applet</a:t>
-            </a:r>
-            <a:r>
-              <a:rPr lang="en-US" dirty="0" smtClean="0"/>
-              <a:t>&gt; removed (&lt;object&gt; instead)</a:t>
-            </a:r>
-            <a:endParaRPr lang="en-US" dirty="0"/>
-          </a:p>
-        </p:txBody>
-      </p:sp>
-    </p:spTree>
-    <p:extLst>
-      <p:ext uri="{BB962C8B-B14F-4D97-AF65-F5344CB8AC3E}">
-        <p14:creationId xmlns:p14="http://schemas.microsoft.com/office/powerpoint/2010/main" val="2612680553"/>
-      </p:ext>
-    </p:extLst>
-  </p:cSld>
-  <p:clrMapOvr>
-    <a:masterClrMapping/>
-  </p:clrMapOvr>
-</p:sld>
-</file>
-
-<file path=ppt/slides/slide15.xml><?xml version="1.0" encoding="utf-8"?>
-<p:sld xmlns:a="http://schemas.openxmlformats.org/drawingml/2006/main" xmlns:r="http://schemas.openxmlformats.org/officeDocument/2006/relationships" xmlns:p="http://schemas.openxmlformats.org/presentationml/2006/main">
-  <p:cSld>
-    <p:spTree>
-      <p:nvGrpSpPr>
-        <p:cNvPr id="1" name=""/>
-        <p:cNvGrpSpPr/>
-        <p:nvPr/>
-      </p:nvGrpSpPr>
-      <p:grpSpPr>
-        <a:xfrm>
-          <a:off x="0" y="0"/>
-          <a:ext cx="0" cy="0"/>
-          <a:chOff x="0" y="0"/>
-          <a:chExt cx="0" cy="0"/>
-        </a:xfrm>
-      </p:grpSpPr>
-      <p:sp>
-        <p:nvSpPr>
-          <p:cNvPr id="2" name="Title 1"/>
-          <p:cNvSpPr>
-            <a:spLocks noGrp="1"/>
-          </p:cNvSpPr>
-          <p:nvPr>
-            <p:ph type="title"/>
-          </p:nvPr>
-        </p:nvSpPr>
-        <p:spPr/>
-        <p:txBody>
-          <a:bodyPr/>
-          <a:lstStyle/>
-          <a:p>
-            <a:r>
-              <a:rPr lang="en-US" dirty="0" err="1" smtClean="0"/>
-              <a:t>Javascript</a:t>
-            </a:r>
-            <a:endParaRPr lang="en-US" dirty="0"/>
-          </a:p>
-        </p:txBody>
-      </p:sp>
-      <p:sp>
-        <p:nvSpPr>
-          <p:cNvPr id="3" name="Content Placeholder 2"/>
-          <p:cNvSpPr>
-            <a:spLocks noGrp="1"/>
-          </p:cNvSpPr>
-          <p:nvPr>
-            <p:ph idx="1"/>
-          </p:nvPr>
-        </p:nvSpPr>
-        <p:spPr/>
-        <p:txBody>
-          <a:bodyPr/>
-          <a:lstStyle/>
-          <a:p>
-            <a:r>
-              <a:rPr lang="en-US" dirty="0" smtClean="0"/>
-              <a:t>Java? </a:t>
-            </a:r>
-          </a:p>
-          <a:p>
-            <a:r>
-              <a:rPr lang="en-US" dirty="0" smtClean="0"/>
-              <a:t>Scripting?</a:t>
-            </a:r>
-            <a:endParaRPr lang="en-US" dirty="0"/>
-          </a:p>
-        </p:txBody>
-      </p:sp>
-    </p:spTree>
-    <p:extLst>
-      <p:ext uri="{BB962C8B-B14F-4D97-AF65-F5344CB8AC3E}">
-        <p14:creationId xmlns:p14="http://schemas.microsoft.com/office/powerpoint/2010/main" val="3725139495"/>
-      </p:ext>
-    </p:extLst>
-  </p:cSld>
-  <p:clrMapOvr>
-    <a:masterClrMapping/>
-  </p:clrMapOvr>
-</p:sld>
-</file>
-
 <file path=ppt/slides/slide16.xml><?xml version="1.0" encoding="utf-8"?>
 <p:sld xmlns:a="http://schemas.openxmlformats.org/drawingml/2006/main" xmlns:r="http://schemas.openxmlformats.org/officeDocument/2006/relationships" xmlns:p="http://schemas.openxmlformats.org/presentationml/2006/main">
   <p:cSld>
@@ -6159,9 +6536,9 @@
           <a:p>
             <a:r>
               <a:rPr lang="en-US" dirty="0" smtClean="0"/>
-              <a:t>Semantics</a:t>
-            </a:r>
-            <a:endParaRPr lang="en-US" dirty="0"/>
+              <a:t>Scope inheritance</a:t>
+            </a:r>
+            <a:endParaRPr lang="ru-RU" dirty="0"/>
           </a:p>
         </p:txBody>
       </p:sp>
@@ -6182,22 +6559,36 @@
           <a:p>
             <a:r>
               <a:rPr lang="en-US" dirty="0" smtClean="0"/>
-              <a:t>extends HTML with clarity</a:t>
-            </a:r>
-          </a:p>
-          <a:p>
+              <a:t>parent scope </a:t>
+            </a:r>
+            <a:r>
+              <a:rPr lang="en-US" dirty="0" err="1" smtClean="0"/>
+              <a:t>vars</a:t>
+            </a:r>
             <a:r>
               <a:rPr lang="en-US" dirty="0" smtClean="0"/>
-              <a:t>custom behavioral notations (directives)</a:t>
-            </a:r>
-            <a:endParaRPr lang="en-US" dirty="0"/>
+              <a:t> in inherited in child scope</a:t>
+            </a:r>
+          </a:p>
+          <a:p>
+            <a:r>
+              <a:rPr lang="en-US" dirty="0" smtClean="0"/>
+              <a:t>unless it’s an isolated scope</a:t>
+            </a:r>
+          </a:p>
+          <a:p>
+            <a:r>
+              <a:rPr lang="en-US" dirty="0" smtClean="0"/>
+              <a:t>scopes are inherited using prototype</a:t>
+            </a:r>
+            <a:endParaRPr lang="ru-RU" dirty="0"/>
           </a:p>
         </p:txBody>
       </p:sp>
     </p:spTree>
     <p:extLst>
       <p:ext uri="{BB962C8B-B14F-4D97-AF65-F5344CB8AC3E}">
-        <p14:creationId xmlns:p14="http://schemas.microsoft.com/office/powerpoint/2010/main" val="3478444464"/>
+        <p14:creationId xmlns:p14="http://schemas.microsoft.com/office/powerpoint/2010/main" val="3403269080"/>
       </p:ext>
     </p:extLst>
   </p:cSld>
@@ -6240,77 +6631,50 @@
           <a:lstStyle/>
           <a:p>
             <a:r>
+              <a:rPr lang="en-US" dirty="0" smtClean="0">
+                <a:latin typeface="Courier New" panose="02070309020205020404" pitchFamily="49" charset="0"/>
+                <a:cs typeface="Courier New" panose="02070309020205020404" pitchFamily="49" charset="0"/>
+              </a:rPr>
+              <a:t>HTML 5</a:t>
+            </a:r>
+            <a:endParaRPr lang="en-US" dirty="0">
+              <a:latin typeface="Courier New" panose="02070309020205020404" pitchFamily="49" charset="0"/>
+              <a:cs typeface="Courier New" panose="02070309020205020404" pitchFamily="49" charset="0"/>
+            </a:endParaRPr>
+          </a:p>
+        </p:txBody>
+      </p:sp>
+      <p:sp>
+        <p:nvSpPr>
+          <p:cNvPr id="3" name="Content Placeholder 2"/>
+          <p:cNvSpPr>
+            <a:spLocks noGrp="1"/>
+          </p:cNvSpPr>
+          <p:nvPr>
+            <p:ph idx="1"/>
+          </p:nvPr>
+        </p:nvSpPr>
+        <p:spPr/>
+        <p:txBody>
+          <a:bodyPr/>
+          <a:lstStyle/>
+          <a:p>
+            <a:r>
+              <a:rPr lang="en-US" dirty="0"/>
+              <a:t>&lt;applet</a:t>
+            </a:r>
+            <a:r>
               <a:rPr lang="en-US" dirty="0" smtClean="0"/>
-              <a:t>Angular 1 vs 2</a:t>
+              <a:t>&gt; removed (&lt;object&gt; instead)</a:t>
             </a:r>
             <a:endParaRPr lang="en-US" dirty="0"/>
-          </a:p>
-        </p:txBody>
-      </p:sp>
-      <p:sp>
-        <p:nvSpPr>
-          <p:cNvPr id="3" name="Content Placeholder 2"/>
-          <p:cNvSpPr>
-            <a:spLocks noGrp="1"/>
-          </p:cNvSpPr>
-          <p:nvPr>
-            <p:ph idx="1"/>
-          </p:nvPr>
-        </p:nvSpPr>
-        <p:spPr/>
-        <p:txBody>
-          <a:bodyPr/>
-          <a:lstStyle/>
-          <a:p>
-            <a:pPr marL="0" indent="0">
-              <a:buNone/>
-            </a:pPr>
-            <a:r>
-              <a:rPr lang="en-US" dirty="0" smtClean="0"/>
-              <a:t>(what people say)</a:t>
-            </a:r>
-          </a:p>
-          <a:p>
-            <a:r>
-              <a:rPr lang="en-US" dirty="0" smtClean="0"/>
-              <a:t>2 is too raw</a:t>
-            </a:r>
-          </a:p>
-          <a:p>
-            <a:r>
-              <a:rPr lang="en-US" dirty="0" smtClean="0"/>
-              <a:t>1 can be upgraded using </a:t>
-            </a:r>
-            <a:r>
-              <a:rPr lang="en-US" dirty="0" err="1" smtClean="0"/>
-              <a:t>ngForward</a:t>
-            </a:r>
-            <a:endParaRPr lang="en-US" dirty="0" smtClean="0"/>
-          </a:p>
-          <a:p>
-            <a:r>
-              <a:rPr lang="en-US" dirty="0" smtClean="0"/>
-              <a:t>2 has better performance</a:t>
-            </a:r>
-          </a:p>
-          <a:p>
-            <a:r>
-              <a:rPr lang="en-US" dirty="0" smtClean="0"/>
-              <a:t>1 will still be supported</a:t>
-            </a:r>
-          </a:p>
-          <a:p>
-            <a:r>
-              <a:rPr lang="en-US" dirty="0" smtClean="0"/>
-              <a:t>2 uses TS and ES6</a:t>
-            </a:r>
           </a:p>
         </p:txBody>
       </p:sp>
     </p:spTree>
     <p:extLst>
       <p:ext uri="{BB962C8B-B14F-4D97-AF65-F5344CB8AC3E}">
-        <p14:creationId xmlns:p14="http://schemas.microsoft.com/office/powerpoint/2010/main" val="1269660243"/>
+        <p14:creationId xmlns:p14="http://schemas.microsoft.com/office/powerpoint/2010/main" val="2612680553"/>
       </p:ext>
     </p:extLst>
   </p:cSld>
@@ -6320,17 +6684,9 @@
 </p:sld>
 </file>
 
-<file path=ppt/slides/slide2.xml><?xml version="1.0" encoding="utf-8"?>
+<file path=ppt/slides/slide18.xml><?xml version="1.0" encoding="utf-8"?>
 <p:sld xmlns:a="http://schemas.openxmlformats.org/drawingml/2006/main" xmlns:r="http://schemas.openxmlformats.org/officeDocument/2006/relationships" xmlns:p="http://schemas.openxmlformats.org/presentationml/2006/main">
   <p:cSld>
-    <p:bg>
-      <p:bgPr>
-        <a:solidFill>
-          <a:srgbClr val="FFFFFF"/>
-        </a:solidFill>
-        <a:effectLst/>
-      </p:bgPr>
-    </p:bg>
     <p:spTree>
       <p:nvGrpSpPr>
         <p:cNvPr id="1" name=""/>
@@ -6361,11 +6717,175 @@
           <a:lstStyle/>
           <a:p>
             <a:r>
+              <a:rPr lang="en-US" dirty="0" err="1" smtClean="0"/>
+              <a:t>Javascript</a:t>
+            </a:r>
+            <a:endParaRPr lang="en-US" dirty="0"/>
+          </a:p>
+        </p:txBody>
+      </p:sp>
+      <p:sp>
+        <p:nvSpPr>
+          <p:cNvPr id="3" name="Content Placeholder 2"/>
+          <p:cNvSpPr>
+            <a:spLocks noGrp="1"/>
+          </p:cNvSpPr>
+          <p:nvPr>
+            <p:ph idx="1"/>
+          </p:nvPr>
+        </p:nvSpPr>
+        <p:spPr/>
+        <p:txBody>
+          <a:bodyPr/>
+          <a:lstStyle/>
+          <a:p>
+            <a:r>
+              <a:rPr lang="en-US" dirty="0" smtClean="0"/>
+              <a:t>Java? </a:t>
+            </a:r>
+          </a:p>
+          <a:p>
+            <a:r>
+              <a:rPr lang="en-US" dirty="0" smtClean="0"/>
+              <a:t>Scripting?</a:t>
+            </a:r>
+            <a:endParaRPr lang="en-US" dirty="0"/>
+          </a:p>
+        </p:txBody>
+      </p:sp>
+    </p:spTree>
+    <p:extLst>
+      <p:ext uri="{BB962C8B-B14F-4D97-AF65-F5344CB8AC3E}">
+        <p14:creationId xmlns:p14="http://schemas.microsoft.com/office/powerpoint/2010/main" val="3725139495"/>
+      </p:ext>
+    </p:extLst>
+  </p:cSld>
+  <p:clrMapOvr>
+    <a:masterClrMapping/>
+  </p:clrMapOvr>
+</p:sld>
+</file>
+
+<file path=ppt/slides/slide19.xml><?xml version="1.0" encoding="utf-8"?>
+<p:sld xmlns:a="http://schemas.openxmlformats.org/drawingml/2006/main" xmlns:r="http://schemas.openxmlformats.org/officeDocument/2006/relationships" xmlns:p="http://schemas.openxmlformats.org/presentationml/2006/main">
+  <p:cSld>
+    <p:spTree>
+      <p:nvGrpSpPr>
+        <p:cNvPr id="1" name=""/>
+        <p:cNvGrpSpPr/>
+        <p:nvPr/>
+      </p:nvGrpSpPr>
+      <p:grpSpPr>
+        <a:xfrm>
+          <a:off x="0" y="0"/>
+          <a:ext cx="0" cy="0"/>
+          <a:chOff x="0" y="0"/>
+          <a:chExt cx="0" cy="0"/>
+        </a:xfrm>
+      </p:grpSpPr>
+      <p:sp>
+        <p:nvSpPr>
+          <p:cNvPr id="2" name="Title 1"/>
+          <p:cNvSpPr>
+            <a:spLocks noGrp="1"/>
+          </p:cNvSpPr>
+          <p:nvPr>
+            <p:ph type="title"/>
+          </p:nvPr>
+        </p:nvSpPr>
+        <p:spPr/>
+        <p:txBody>
+          <a:bodyPr/>
+          <a:lstStyle/>
+          <a:p>
+            <a:r>
+              <a:rPr lang="en-US" dirty="0" smtClean="0"/>
+              <a:t>Semantics</a:t>
+            </a:r>
+            <a:endParaRPr lang="en-US" dirty="0"/>
+          </a:p>
+        </p:txBody>
+      </p:sp>
+      <p:sp>
+        <p:nvSpPr>
+          <p:cNvPr id="3" name="Content Placeholder 2"/>
+          <p:cNvSpPr>
+            <a:spLocks noGrp="1"/>
+          </p:cNvSpPr>
+          <p:nvPr>
+            <p:ph idx="1"/>
+          </p:nvPr>
+        </p:nvSpPr>
+        <p:spPr/>
+        <p:txBody>
+          <a:bodyPr/>
+          <a:lstStyle/>
+          <a:p>
+            <a:r>
+              <a:rPr lang="en-US" dirty="0" smtClean="0"/>
+              <a:t>extends HTML with clarity</a:t>
+            </a:r>
+          </a:p>
+          <a:p>
+            <a:r>
+              <a:rPr lang="en-US" dirty="0" smtClean="0"/>
+              <a:t>custom behavioral notations (directives)</a:t>
+            </a:r>
+            <a:endParaRPr lang="en-US" dirty="0"/>
+          </a:p>
+        </p:txBody>
+      </p:sp>
+    </p:spTree>
+    <p:extLst>
+      <p:ext uri="{BB962C8B-B14F-4D97-AF65-F5344CB8AC3E}">
+        <p14:creationId xmlns:p14="http://schemas.microsoft.com/office/powerpoint/2010/main" val="3478444464"/>
+      </p:ext>
+    </p:extLst>
+  </p:cSld>
+  <p:clrMapOvr>
+    <a:masterClrMapping/>
+  </p:clrMapOvr>
+</p:sld>
+</file>
+
+<file path=ppt/slides/slide2.xml><?xml version="1.0" encoding="utf-8"?>
+<p:sld xmlns:a="http://schemas.openxmlformats.org/drawingml/2006/main" xmlns:r="http://schemas.openxmlformats.org/officeDocument/2006/relationships" xmlns:p="http://schemas.openxmlformats.org/presentationml/2006/main">
+  <p:cSld>
+    <p:spTree>
+      <p:nvGrpSpPr>
+        <p:cNvPr id="1" name=""/>
+        <p:cNvGrpSpPr/>
+        <p:nvPr/>
+      </p:nvGrpSpPr>
+      <p:grpSpPr>
+        <a:xfrm>
+          <a:off x="0" y="0"/>
+          <a:ext cx="0" cy="0"/>
+          <a:chOff x="0" y="0"/>
+          <a:chExt cx="0" cy="0"/>
+        </a:xfrm>
+      </p:grpSpPr>
+      <p:sp>
+        <p:nvSpPr>
+          <p:cNvPr id="2" name="Title 1"/>
+          <p:cNvSpPr>
+            <a:spLocks noGrp="1"/>
+          </p:cNvSpPr>
+          <p:nvPr>
+            <p:ph type="title"/>
+          </p:nvPr>
+        </p:nvSpPr>
+        <p:spPr/>
+        <p:txBody>
+          <a:bodyPr/>
+          <a:lstStyle/>
+          <a:p>
+            <a:r>
               <a:rPr lang="en-US" dirty="0" smtClean="0">
                 <a:latin typeface="Courier New" panose="02070309020205020404" pitchFamily="49" charset="0"/>
                 <a:cs typeface="Courier New" panose="02070309020205020404" pitchFamily="49" charset="0"/>
               </a:rPr>
-              <a:t>The Zen of Angular</a:t>
+              <a:t>Today more showcase</a:t>
             </a:r>
             <a:endParaRPr lang="ru-RU" dirty="0">
               <a:latin typeface="Courier New" panose="02070309020205020404" pitchFamily="49" charset="0"/>
@@ -6756,17 +7276,868 @@
 </p:sld>
 </file>
 
+<file path=ppt/slides/slide20.xml><?xml version="1.0" encoding="utf-8"?>
+<p:sld xmlns:a="http://schemas.openxmlformats.org/drawingml/2006/main" xmlns:r="http://schemas.openxmlformats.org/officeDocument/2006/relationships" xmlns:p="http://schemas.openxmlformats.org/presentationml/2006/main">
+  <p:cSld>
+    <p:spTree>
+      <p:nvGrpSpPr>
+        <p:cNvPr id="1" name=""/>
+        <p:cNvGrpSpPr/>
+        <p:nvPr/>
+      </p:nvGrpSpPr>
+      <p:grpSpPr>
+        <a:xfrm>
+          <a:off x="0" y="0"/>
+          <a:ext cx="0" cy="0"/>
+          <a:chOff x="0" y="0"/>
+          <a:chExt cx="0" cy="0"/>
+        </a:xfrm>
+      </p:grpSpPr>
+      <p:sp>
+        <p:nvSpPr>
+          <p:cNvPr id="2" name="Title 1"/>
+          <p:cNvSpPr>
+            <a:spLocks noGrp="1"/>
+          </p:cNvSpPr>
+          <p:nvPr>
+            <p:ph type="title"/>
+          </p:nvPr>
+        </p:nvSpPr>
+        <p:spPr/>
+        <p:txBody>
+          <a:bodyPr/>
+          <a:lstStyle/>
+          <a:p>
+            <a:r>
+              <a:rPr lang="en-US" dirty="0" smtClean="0"/>
+              <a:t>Angular 1 vs 2</a:t>
+            </a:r>
+            <a:endParaRPr lang="en-US" dirty="0"/>
+          </a:p>
+        </p:txBody>
+      </p:sp>
+      <p:sp>
+        <p:nvSpPr>
+          <p:cNvPr id="3" name="Content Placeholder 2"/>
+          <p:cNvSpPr>
+            <a:spLocks noGrp="1"/>
+          </p:cNvSpPr>
+          <p:nvPr>
+            <p:ph idx="1"/>
+          </p:nvPr>
+        </p:nvSpPr>
+        <p:spPr/>
+        <p:txBody>
+          <a:bodyPr/>
+          <a:lstStyle/>
+          <a:p>
+            <a:pPr marL="0" indent="0">
+              <a:buNone/>
+            </a:pPr>
+            <a:r>
+              <a:rPr lang="en-US" dirty="0" smtClean="0"/>
+              <a:t>(what people say)</a:t>
+            </a:r>
+          </a:p>
+          <a:p>
+            <a:r>
+              <a:rPr lang="en-US" dirty="0" smtClean="0"/>
+              <a:t>2 is too raw</a:t>
+            </a:r>
+          </a:p>
+          <a:p>
+            <a:r>
+              <a:rPr lang="en-US" dirty="0" smtClean="0"/>
+              <a:t>1 can be upgraded using </a:t>
+            </a:r>
+            <a:r>
+              <a:rPr lang="en-US" dirty="0" err="1" smtClean="0"/>
+              <a:t>ngForward</a:t>
+            </a:r>
+            <a:endParaRPr lang="en-US" dirty="0" smtClean="0"/>
+          </a:p>
+          <a:p>
+            <a:r>
+              <a:rPr lang="en-US" dirty="0" smtClean="0"/>
+              <a:t>2 has better performance</a:t>
+            </a:r>
+          </a:p>
+          <a:p>
+            <a:r>
+              <a:rPr lang="en-US" dirty="0" smtClean="0"/>
+              <a:t>1 will still be supported</a:t>
+            </a:r>
+          </a:p>
+          <a:p>
+            <a:r>
+              <a:rPr lang="en-US" dirty="0" smtClean="0"/>
+              <a:t>2 uses TS and ES6</a:t>
+            </a:r>
+          </a:p>
+        </p:txBody>
+      </p:sp>
+    </p:spTree>
+    <p:extLst>
+      <p:ext uri="{BB962C8B-B14F-4D97-AF65-F5344CB8AC3E}">
+        <p14:creationId xmlns:p14="http://schemas.microsoft.com/office/powerpoint/2010/main" val="1269660243"/>
+      </p:ext>
+    </p:extLst>
+  </p:cSld>
+  <p:clrMapOvr>
+    <a:masterClrMapping/>
+  </p:clrMapOvr>
+</p:sld>
+</file>
+
 <file path=ppt/slides/slide3.xml><?xml version="1.0" encoding="utf-8"?>
 <p:sld xmlns:a="http://schemas.openxmlformats.org/drawingml/2006/main" xmlns:r="http://schemas.openxmlformats.org/officeDocument/2006/relationships" xmlns:p="http://schemas.openxmlformats.org/presentationml/2006/main">
   <p:cSld>
-    <p:bg>
-      <p:bgPr>
-        <a:solidFill>
-          <a:schemeClr val="bg1"/>
-        </a:solidFill>
-        <a:effectLst/>
-      </p:bgPr>
-    </p:bg>
+    <p:spTree>
+      <p:nvGrpSpPr>
+        <p:cNvPr id="1" name=""/>
+        <p:cNvGrpSpPr/>
+        <p:nvPr/>
+      </p:nvGrpSpPr>
+      <p:grpSpPr>
+        <a:xfrm>
+          <a:off x="0" y="0"/>
+          <a:ext cx="0" cy="0"/>
+          <a:chOff x="0" y="0"/>
+          <a:chExt cx="0" cy="0"/>
+        </a:xfrm>
+      </p:grpSpPr>
+      <p:sp>
+        <p:nvSpPr>
+          <p:cNvPr id="2" name="Title 1"/>
+          <p:cNvSpPr>
+            <a:spLocks noGrp="1"/>
+          </p:cNvSpPr>
+          <p:nvPr>
+            <p:ph type="title"/>
+          </p:nvPr>
+        </p:nvSpPr>
+        <p:spPr/>
+        <p:txBody>
+          <a:bodyPr/>
+          <a:lstStyle/>
+          <a:p>
+            <a:r>
+              <a:rPr lang="en-US" dirty="0" smtClean="0">
+                <a:latin typeface="Courier New" panose="02070309020205020404" pitchFamily="49" charset="0"/>
+                <a:cs typeface="Courier New" panose="02070309020205020404" pitchFamily="49" charset="0"/>
+              </a:rPr>
+              <a:t>The Zen of Angular</a:t>
+            </a:r>
+            <a:endParaRPr lang="ru-RU" dirty="0">
+              <a:latin typeface="Courier New" panose="02070309020205020404" pitchFamily="49" charset="0"/>
+              <a:cs typeface="Courier New" panose="02070309020205020404" pitchFamily="49" charset="0"/>
+            </a:endParaRPr>
+          </a:p>
+        </p:txBody>
+      </p:sp>
+      <p:sp>
+        <p:nvSpPr>
+          <p:cNvPr id="3" name="Content Placeholder 2"/>
+          <p:cNvSpPr>
+            <a:spLocks noGrp="1"/>
+          </p:cNvSpPr>
+          <p:nvPr>
+            <p:ph idx="1"/>
+          </p:nvPr>
+        </p:nvSpPr>
+        <p:spPr>
+          <a:xfrm>
+            <a:off x="457200" y="1600201"/>
+            <a:ext cx="8229600" cy="1219200"/>
+          </a:xfrm>
+        </p:spPr>
+        <p:txBody>
+          <a:bodyPr>
+            <a:normAutofit/>
+          </a:bodyPr>
+          <a:lstStyle/>
+          <a:p>
+            <a:r>
+              <a:rPr lang="en-US" sz="2000" dirty="0"/>
+              <a:t>decouple DOM manipulation from app </a:t>
+            </a:r>
+            <a:r>
+              <a:rPr lang="en-US" sz="2000" dirty="0" smtClean="0"/>
+              <a:t>logic</a:t>
+            </a:r>
+          </a:p>
+          <a:p>
+            <a:r>
+              <a:rPr lang="en-US" sz="2000" dirty="0" smtClean="0"/>
+              <a:t>well structured coding</a:t>
+            </a:r>
+          </a:p>
+          <a:p>
+            <a:r>
+              <a:rPr lang="en-US" sz="2000" dirty="0" smtClean="0"/>
+              <a:t>2-way </a:t>
+            </a:r>
+            <a:r>
+              <a:rPr lang="en-US" sz="2000" dirty="0" smtClean="0"/>
+              <a:t>binding</a:t>
+            </a:r>
+            <a:endParaRPr lang="en-US" sz="2000" dirty="0" smtClean="0"/>
+          </a:p>
+        </p:txBody>
+      </p:sp>
+      <p:sp>
+        <p:nvSpPr>
+          <p:cNvPr id="5" name="TextBox 4"/>
+          <p:cNvSpPr txBox="1"/>
+          <p:nvPr/>
+        </p:nvSpPr>
+        <p:spPr>
+          <a:xfrm>
+            <a:off x="4704114" y="2947537"/>
+            <a:ext cx="4335862" cy="461665"/>
+          </a:xfrm>
+          <a:prstGeom prst="rect">
+            <a:avLst/>
+          </a:prstGeom>
+          <a:noFill/>
+        </p:spPr>
+        <p:txBody>
+          <a:bodyPr wrap="square" rtlCol="0">
+            <a:spAutoFit/>
+          </a:bodyPr>
+          <a:lstStyle/>
+          <a:p>
+            <a:r>
+              <a:rPr lang="en-US" sz="2400" dirty="0" smtClean="0"/>
+              <a:t>Does it have an engine? VM?</a:t>
+            </a:r>
+            <a:endParaRPr lang="en-US" sz="2400" dirty="0"/>
+          </a:p>
+        </p:txBody>
+      </p:sp>
+      <p:sp>
+        <p:nvSpPr>
+          <p:cNvPr id="6" name="TextBox 5"/>
+          <p:cNvSpPr txBox="1"/>
+          <p:nvPr/>
+        </p:nvSpPr>
+        <p:spPr>
+          <a:xfrm>
+            <a:off x="1524000" y="4569769"/>
+            <a:ext cx="3358150" cy="369332"/>
+          </a:xfrm>
+          <a:prstGeom prst="rect">
+            <a:avLst/>
+          </a:prstGeom>
+          <a:noFill/>
+        </p:spPr>
+        <p:txBody>
+          <a:bodyPr wrap="square" rtlCol="0">
+            <a:spAutoFit/>
+          </a:bodyPr>
+          <a:lstStyle/>
+          <a:p>
+            <a:r>
+              <a:rPr lang="en-US" i="1" dirty="0" smtClean="0"/>
+              <a:t>It’s something that always breaks</a:t>
+            </a:r>
+            <a:endParaRPr lang="en-US" sz="3200" i="1" dirty="0"/>
+          </a:p>
+        </p:txBody>
+      </p:sp>
+      <p:sp>
+        <p:nvSpPr>
+          <p:cNvPr id="7" name="Rectangle 6"/>
+          <p:cNvSpPr/>
+          <p:nvPr/>
+        </p:nvSpPr>
+        <p:spPr>
+          <a:xfrm>
+            <a:off x="1043440" y="4482187"/>
+            <a:ext cx="470000" cy="707886"/>
+          </a:xfrm>
+          <a:prstGeom prst="rect">
+            <a:avLst/>
+          </a:prstGeom>
+        </p:spPr>
+        <p:txBody>
+          <a:bodyPr wrap="none">
+            <a:spAutoFit/>
+          </a:bodyPr>
+          <a:lstStyle/>
+          <a:p>
+            <a:r>
+              <a:rPr lang="en-US" sz="4000" i="1" dirty="0">
+                <a:latin typeface="Times New Roman" panose="02020603050405020304" pitchFamily="18" charset="0"/>
+                <a:cs typeface="Times New Roman" panose="02020603050405020304" pitchFamily="18" charset="0"/>
+              </a:rPr>
+              <a:t>“</a:t>
+            </a:r>
+          </a:p>
+        </p:txBody>
+      </p:sp>
+      <p:sp>
+        <p:nvSpPr>
+          <p:cNvPr id="8" name="Rectangle 4"/>
+          <p:cNvSpPr>
+            <a:spLocks noChangeArrowheads="1"/>
+          </p:cNvSpPr>
+          <p:nvPr/>
+        </p:nvSpPr>
+        <p:spPr bwMode="auto">
+          <a:xfrm>
+            <a:off x="5500445" y="4079412"/>
+            <a:ext cx="2743200" cy="402775"/>
+          </a:xfrm>
+          <a:prstGeom prst="rect">
+            <a:avLst/>
+          </a:prstGeom>
+          <a:solidFill>
+            <a:srgbClr val="F5F2F0"/>
+          </a:solidFill>
+          <a:ln>
+            <a:noFill/>
+          </a:ln>
+          <a:effectLst/>
+          <a:extLst>
+            <a:ext uri="{91240B29-F687-4F45-9708-019B960494DF}">
+              <a14:hiddenLine xmlns:a14="http://schemas.microsoft.com/office/drawing/2010/main" w="9525">
+                <a:solidFill>
+                  <a:schemeClr val="tx1"/>
+                </a:solidFill>
+                <a:miter lim="800000"/>
+                <a:headEnd/>
+                <a:tailEnd/>
+              </a14:hiddenLine>
+            </a:ext>
+            <a:ext uri="{AF507438-7753-43E0-B8FC-AC1667EBCBE1}">
+              <a14:hiddenEffects xmlns:a14="http://schemas.microsoft.com/office/drawing/2010/main">
+                <a:effectLst>
+                  <a:outerShdw dist="35921" dir="2700000" algn="ctr" rotWithShape="0">
+                    <a:schemeClr val="bg2"/>
+                  </a:outerShdw>
+                </a:effectLst>
+              </a14:hiddenEffects>
+            </a:ext>
+          </a:extLst>
+        </p:spPr>
+        <p:txBody>
+          <a:bodyPr vert="horz" wrap="square" lIns="108000" tIns="108000" rIns="108000" bIns="108000" numCol="1" anchor="ctr" anchorCtr="0" compatLnSpc="1">
+            <a:prstTxWarp prst="textNoShape">
+              <a:avLst/>
+            </a:prstTxWarp>
+            <a:spAutoFit/>
+          </a:bodyPr>
+          <a:lstStyle/>
+          <a:p>
+            <a:pPr lvl="0" eaLnBrk="0" fontAlgn="base" hangingPunct="0">
+              <a:spcBef>
+                <a:spcPct val="0"/>
+              </a:spcBef>
+              <a:spcAft>
+                <a:spcPct val="0"/>
+              </a:spcAft>
+            </a:pPr>
+            <a:endParaRPr lang="en-US" altLang="en-US" sz="1100" dirty="0">
+              <a:latin typeface="Arial" panose="020B0604020202020204" pitchFamily="34" charset="0"/>
+            </a:endParaRPr>
+          </a:p>
+        </p:txBody>
+      </p:sp>
+    </p:spTree>
+    <p:extLst>
+      <p:ext uri="{BB962C8B-B14F-4D97-AF65-F5344CB8AC3E}">
+        <p14:creationId xmlns:p14="http://schemas.microsoft.com/office/powerpoint/2010/main" val="3797030103"/>
+      </p:ext>
+    </p:extLst>
+  </p:cSld>
+  <p:clrMapOvr>
+    <a:masterClrMapping/>
+  </p:clrMapOvr>
+  <mc:AlternateContent xmlns:mc="http://schemas.openxmlformats.org/markup-compatibility/2006">
+    <mc:Choice xmlns:p14="http://schemas.microsoft.com/office/powerpoint/2010/main" Requires="p14">
+      <p:transition spd="slow" p14:dur="2000"/>
+    </mc:Choice>
+    <mc:Fallback>
+      <p:transition spd="slow"/>
+    </mc:Fallback>
+  </mc:AlternateContent>
+  <p:timing>
+    <p:tnLst>
+      <p:par>
+        <p:cTn id="1" dur="indefinite" restart="never" nodeType="tmRoot">
+          <p:childTnLst>
+            <p:seq concurrent="1" nextAc="seek">
+              <p:cTn id="2" dur="indefinite" nodeType="mainSeq">
+                <p:childTnLst>
+                  <p:par>
+                    <p:cTn id="3" fill="hold">
+                      <p:stCondLst>
+                        <p:cond delay="indefinite"/>
+                      </p:stCondLst>
+                      <p:childTnLst>
+                        <p:par>
+                          <p:cTn id="4" fill="hold">
+                            <p:stCondLst>
+                              <p:cond delay="0"/>
+                            </p:stCondLst>
+                            <p:childTnLst>
+                              <p:par>
+                                <p:cTn id="5" presetID="1" presetClass="entr" presetSubtype="0" fill="hold" grpId="0" nodeType="clickEffect">
+                                  <p:stCondLst>
+                                    <p:cond delay="0"/>
+                                  </p:stCondLst>
+                                  <p:childTnLst>
+                                    <p:set>
+                                      <p:cBhvr>
+                                        <p:cTn id="6" dur="1" fill="hold">
+                                          <p:stCondLst>
+                                            <p:cond delay="0"/>
+                                          </p:stCondLst>
+                                        </p:cTn>
+                                        <p:tgtEl>
+                                          <p:spTgt spid="5"/>
+                                        </p:tgtEl>
+                                        <p:attrNameLst>
+                                          <p:attrName>style.visibility</p:attrName>
+                                        </p:attrNameLst>
+                                      </p:cBhvr>
+                                      <p:to>
+                                        <p:strVal val="visible"/>
+                                      </p:to>
+                                    </p:set>
+                                  </p:childTnLst>
+                                </p:cTn>
+                              </p:par>
+                            </p:childTnLst>
+                          </p:cTn>
+                        </p:par>
+                      </p:childTnLst>
+                    </p:cTn>
+                  </p:par>
+                  <p:par>
+                    <p:cTn id="7" fill="hold">
+                      <p:stCondLst>
+                        <p:cond delay="indefinite"/>
+                      </p:stCondLst>
+                      <p:childTnLst>
+                        <p:par>
+                          <p:cTn id="8" fill="hold">
+                            <p:stCondLst>
+                              <p:cond delay="0"/>
+                            </p:stCondLst>
+                            <p:childTnLst>
+                              <p:par>
+                                <p:cTn id="9" presetID="1" presetClass="entr" presetSubtype="0" fill="hold" grpId="0" nodeType="clickEffect">
+                                  <p:stCondLst>
+                                    <p:cond delay="0"/>
+                                  </p:stCondLst>
+                                  <p:childTnLst>
+                                    <p:set>
+                                      <p:cBhvr>
+                                        <p:cTn id="10" dur="1" fill="hold">
+                                          <p:stCondLst>
+                                            <p:cond delay="0"/>
+                                          </p:stCondLst>
+                                        </p:cTn>
+                                        <p:tgtEl>
+                                          <p:spTgt spid="6"/>
+                                        </p:tgtEl>
+                                        <p:attrNameLst>
+                                          <p:attrName>style.visibility</p:attrName>
+                                        </p:attrNameLst>
+                                      </p:cBhvr>
+                                      <p:to>
+                                        <p:strVal val="visible"/>
+                                      </p:to>
+                                    </p:set>
+                                  </p:childTnLst>
+                                </p:cTn>
+                              </p:par>
+                              <p:par>
+                                <p:cTn id="11" presetID="1" presetClass="entr" presetSubtype="0" fill="hold" grpId="0" nodeType="withEffect">
+                                  <p:stCondLst>
+                                    <p:cond delay="0"/>
+                                  </p:stCondLst>
+                                  <p:childTnLst>
+                                    <p:set>
+                                      <p:cBhvr>
+                                        <p:cTn id="12" dur="1" fill="hold">
+                                          <p:stCondLst>
+                                            <p:cond delay="0"/>
+                                          </p:stCondLst>
+                                        </p:cTn>
+                                        <p:tgtEl>
+                                          <p:spTgt spid="7"/>
+                                        </p:tgtEl>
+                                        <p:attrNameLst>
+                                          <p:attrName>style.visibility</p:attrName>
+                                        </p:attrNameLst>
+                                      </p:cBhvr>
+                                      <p:to>
+                                        <p:strVal val="visible"/>
+                                      </p:to>
+                                    </p:set>
+                                  </p:childTnLst>
+                                </p:cTn>
+                              </p:par>
+                            </p:childTnLst>
+                          </p:cTn>
+                        </p:par>
+                      </p:childTnLst>
+                    </p:cTn>
+                  </p:par>
+                </p:childTnLst>
+              </p:cTn>
+              <p:prevCondLst>
+                <p:cond evt="onPrev" delay="0">
+                  <p:tgtEl>
+                    <p:sldTgt/>
+                  </p:tgtEl>
+                </p:cond>
+              </p:prevCondLst>
+              <p:nextCondLst>
+                <p:cond evt="onNext" delay="0">
+                  <p:tgtEl>
+                    <p:sldTgt/>
+                  </p:tgtEl>
+                </p:cond>
+              </p:nextCondLst>
+            </p:seq>
+          </p:childTnLst>
+        </p:cTn>
+      </p:par>
+    </p:tnLst>
+    <p:bldLst>
+      <p:bldP spid="5" grpId="0"/>
+      <p:bldP spid="6" grpId="0"/>
+      <p:bldP spid="7" grpId="0"/>
+    </p:bldLst>
+  </p:timing>
+</p:sld>
+</file>
+
+<file path=ppt/slides/slide4.xml><?xml version="1.0" encoding="utf-8"?>
+<p:sld xmlns:a="http://schemas.openxmlformats.org/drawingml/2006/main" xmlns:r="http://schemas.openxmlformats.org/officeDocument/2006/relationships" xmlns:p="http://schemas.openxmlformats.org/presentationml/2006/main">
+  <p:cSld>
+    <p:spTree>
+      <p:nvGrpSpPr>
+        <p:cNvPr id="1" name=""/>
+        <p:cNvGrpSpPr/>
+        <p:nvPr/>
+      </p:nvGrpSpPr>
+      <p:grpSpPr>
+        <a:xfrm>
+          <a:off x="0" y="0"/>
+          <a:ext cx="0" cy="0"/>
+          <a:chOff x="0" y="0"/>
+          <a:chExt cx="0" cy="0"/>
+        </a:xfrm>
+      </p:grpSpPr>
+      <p:sp>
+        <p:nvSpPr>
+          <p:cNvPr id="2" name="Title 1"/>
+          <p:cNvSpPr>
+            <a:spLocks noGrp="1"/>
+          </p:cNvSpPr>
+          <p:nvPr>
+            <p:ph type="title"/>
+          </p:nvPr>
+        </p:nvSpPr>
+        <p:spPr/>
+        <p:txBody>
+          <a:bodyPr/>
+          <a:lstStyle/>
+          <a:p>
+            <a:r>
+              <a:rPr lang="en-US" dirty="0" smtClean="0">
+                <a:latin typeface="Courier New" panose="02070309020205020404" pitchFamily="49" charset="0"/>
+                <a:cs typeface="Courier New" panose="02070309020205020404" pitchFamily="49" charset="0"/>
+              </a:rPr>
+              <a:t>Model View Whatever</a:t>
+            </a:r>
+            <a:endParaRPr lang="ru-RU" dirty="0">
+              <a:latin typeface="Courier New" panose="02070309020205020404" pitchFamily="49" charset="0"/>
+              <a:cs typeface="Courier New" panose="02070309020205020404" pitchFamily="49" charset="0"/>
+            </a:endParaRPr>
+          </a:p>
+        </p:txBody>
+      </p:sp>
+      <p:sp>
+        <p:nvSpPr>
+          <p:cNvPr id="3" name="Content Placeholder 2"/>
+          <p:cNvSpPr>
+            <a:spLocks noGrp="1"/>
+          </p:cNvSpPr>
+          <p:nvPr>
+            <p:ph idx="1"/>
+          </p:nvPr>
+        </p:nvSpPr>
+        <p:spPr>
+          <a:xfrm>
+            <a:off x="457200" y="1600200"/>
+            <a:ext cx="8229600" cy="3809999"/>
+          </a:xfrm>
+        </p:spPr>
+        <p:txBody>
+          <a:bodyPr>
+            <a:normAutofit/>
+          </a:bodyPr>
+          <a:lstStyle/>
+          <a:p>
+            <a:r>
+              <a:rPr lang="en-US" dirty="0" smtClean="0"/>
+              <a:t>JS – model</a:t>
+            </a:r>
+          </a:p>
+          <a:p>
+            <a:r>
+              <a:rPr lang="en-US" dirty="0" smtClean="0"/>
+              <a:t>HTML – view</a:t>
+            </a:r>
+          </a:p>
+          <a:p>
+            <a:r>
+              <a:rPr lang="en-US" dirty="0" smtClean="0"/>
+              <a:t>$scope – view model – shared object between view and model</a:t>
+            </a:r>
+            <a:endParaRPr lang="ru-RU" dirty="0"/>
+          </a:p>
+        </p:txBody>
+      </p:sp>
+    </p:spTree>
+    <p:extLst>
+      <p:ext uri="{BB962C8B-B14F-4D97-AF65-F5344CB8AC3E}">
+        <p14:creationId xmlns:p14="http://schemas.microsoft.com/office/powerpoint/2010/main" val="1498899927"/>
+      </p:ext>
+    </p:extLst>
+  </p:cSld>
+  <p:clrMapOvr>
+    <a:masterClrMapping/>
+  </p:clrMapOvr>
+  <mc:AlternateContent xmlns:mc="http://schemas.openxmlformats.org/markup-compatibility/2006" xmlns:p14="http://schemas.microsoft.com/office/powerpoint/2010/main">
+    <mc:Choice Requires="p14">
+      <p:transition spd="slow" p14:dur="2000"/>
+    </mc:Choice>
+    <mc:Fallback xmlns="">
+      <p:transition spd="slow"/>
+    </mc:Fallback>
+  </mc:AlternateContent>
+  <p:timing>
+    <p:tnLst>
+      <p:par>
+        <p:cTn id="1" dur="indefinite" restart="never" nodeType="tmRoot"/>
+      </p:par>
+    </p:tnLst>
+  </p:timing>
+</p:sld>
+</file>
+
+<file path=ppt/slides/slide5.xml><?xml version="1.0" encoding="utf-8"?>
+<p:sld xmlns:a="http://schemas.openxmlformats.org/drawingml/2006/main" xmlns:r="http://schemas.openxmlformats.org/officeDocument/2006/relationships" xmlns:p="http://schemas.openxmlformats.org/presentationml/2006/main">
+  <p:cSld>
+    <p:spTree>
+      <p:nvGrpSpPr>
+        <p:cNvPr id="1" name=""/>
+        <p:cNvGrpSpPr/>
+        <p:nvPr/>
+      </p:nvGrpSpPr>
+      <p:grpSpPr>
+        <a:xfrm>
+          <a:off x="0" y="0"/>
+          <a:ext cx="0" cy="0"/>
+          <a:chOff x="0" y="0"/>
+          <a:chExt cx="0" cy="0"/>
+        </a:xfrm>
+      </p:grpSpPr>
+      <p:sp>
+        <p:nvSpPr>
+          <p:cNvPr id="2" name="Title 1"/>
+          <p:cNvSpPr>
+            <a:spLocks noGrp="1"/>
+          </p:cNvSpPr>
+          <p:nvPr>
+            <p:ph type="title"/>
+          </p:nvPr>
+        </p:nvSpPr>
+        <p:spPr/>
+        <p:txBody>
+          <a:bodyPr/>
+          <a:lstStyle/>
+          <a:p>
+            <a:r>
+              <a:rPr lang="en-US" dirty="0" smtClean="0">
+                <a:latin typeface="Courier New" panose="02070309020205020404" pitchFamily="49" charset="0"/>
+                <a:cs typeface="Courier New" panose="02070309020205020404" pitchFamily="49" charset="0"/>
+              </a:rPr>
+              <a:t>Model View Whatever</a:t>
+            </a:r>
+            <a:endParaRPr lang="ru-RU" dirty="0">
+              <a:latin typeface="Courier New" panose="02070309020205020404" pitchFamily="49" charset="0"/>
+              <a:cs typeface="Courier New" panose="02070309020205020404" pitchFamily="49" charset="0"/>
+            </a:endParaRPr>
+          </a:p>
+        </p:txBody>
+      </p:sp>
+      <p:sp>
+        <p:nvSpPr>
+          <p:cNvPr id="3" name="Content Placeholder 2"/>
+          <p:cNvSpPr>
+            <a:spLocks noGrp="1"/>
+          </p:cNvSpPr>
+          <p:nvPr>
+            <p:ph idx="1"/>
+          </p:nvPr>
+        </p:nvSpPr>
+        <p:spPr>
+          <a:xfrm>
+            <a:off x="457200" y="1600200"/>
+            <a:ext cx="8229600" cy="3809999"/>
+          </a:xfrm>
+        </p:spPr>
+        <p:txBody>
+          <a:bodyPr>
+            <a:normAutofit/>
+          </a:bodyPr>
+          <a:lstStyle/>
+          <a:p>
+            <a:r>
+              <a:rPr lang="en-US" dirty="0" smtClean="0"/>
+              <a:t>JS – model</a:t>
+            </a:r>
+          </a:p>
+          <a:p>
+            <a:r>
+              <a:rPr lang="en-US" dirty="0" smtClean="0"/>
+              <a:t>HTML – view</a:t>
+            </a:r>
+          </a:p>
+          <a:p>
+            <a:r>
+              <a:rPr lang="en-US" dirty="0" smtClean="0"/>
+              <a:t>$scope – view model – shared object between view and model</a:t>
+            </a:r>
+            <a:endParaRPr lang="ru-RU" dirty="0"/>
+          </a:p>
+        </p:txBody>
+      </p:sp>
+    </p:spTree>
+    <p:extLst>
+      <p:ext uri="{BB962C8B-B14F-4D97-AF65-F5344CB8AC3E}">
+        <p14:creationId xmlns:p14="http://schemas.microsoft.com/office/powerpoint/2010/main" val="1679061628"/>
+      </p:ext>
+    </p:extLst>
+  </p:cSld>
+  <p:clrMapOvr>
+    <a:masterClrMapping/>
+  </p:clrMapOvr>
+  <mc:AlternateContent xmlns:mc="http://schemas.openxmlformats.org/markup-compatibility/2006">
+    <mc:Choice xmlns:p14="http://schemas.microsoft.com/office/powerpoint/2010/main" Requires="p14">
+      <p:transition spd="slow" p14:dur="2000"/>
+    </mc:Choice>
+    <mc:Fallback>
+      <p:transition spd="slow"/>
+    </mc:Fallback>
+  </mc:AlternateContent>
+  <p:timing>
+    <p:tnLst>
+      <p:par>
+        <p:cTn id="1" dur="indefinite" restart="never" nodeType="tmRoot"/>
+      </p:par>
+    </p:tnLst>
+  </p:timing>
+</p:sld>
+</file>
+
+<file path=ppt/slides/slide6.xml><?xml version="1.0" encoding="utf-8"?>
+<p:sld xmlns:a="http://schemas.openxmlformats.org/drawingml/2006/main" xmlns:r="http://schemas.openxmlformats.org/officeDocument/2006/relationships" xmlns:p="http://schemas.openxmlformats.org/presentationml/2006/main">
+  <p:cSld>
+    <p:spTree>
+      <p:nvGrpSpPr>
+        <p:cNvPr id="1" name=""/>
+        <p:cNvGrpSpPr/>
+        <p:nvPr/>
+      </p:nvGrpSpPr>
+      <p:grpSpPr>
+        <a:xfrm>
+          <a:off x="0" y="0"/>
+          <a:ext cx="0" cy="0"/>
+          <a:chOff x="0" y="0"/>
+          <a:chExt cx="0" cy="0"/>
+        </a:xfrm>
+      </p:grpSpPr>
+      <p:pic>
+        <p:nvPicPr>
+          <p:cNvPr id="2" name="Picture 2" descr="AngularJS Concepts"/>
+          <p:cNvPicPr>
+            <a:picLocks noChangeAspect="1" noChangeArrowheads="1"/>
+          </p:cNvPicPr>
+          <p:nvPr/>
+        </p:nvPicPr>
+        <p:blipFill>
+          <a:blip r:embed="rId3">
+            <a:extLst>
+              <a:ext uri="{28A0092B-C50C-407E-A947-70E740481C1C}">
+                <a14:useLocalDpi xmlns:a14="http://schemas.microsoft.com/office/drawing/2010/main" val="0"/>
+              </a:ext>
+            </a:extLst>
+          </a:blip>
+          <a:srcRect/>
+          <a:stretch>
+            <a:fillRect/>
+          </a:stretch>
+        </p:blipFill>
+        <p:spPr bwMode="auto">
+          <a:xfrm>
+            <a:off x="1447800" y="990600"/>
+            <a:ext cx="6181334" cy="4867276"/>
+          </a:xfrm>
+          <a:prstGeom prst="rect">
+            <a:avLst/>
+          </a:prstGeom>
+          <a:noFill/>
+          <a:extLst>
+            <a:ext uri="{909E8E84-426E-40DD-AFC4-6F175D3DCCD1}">
+              <a14:hiddenFill xmlns:a14="http://schemas.microsoft.com/office/drawing/2010/main">
+                <a:solidFill>
+                  <a:srgbClr val="FFFFFF"/>
+                </a:solidFill>
+              </a14:hiddenFill>
+            </a:ext>
+          </a:extLst>
+        </p:spPr>
+      </p:pic>
+    </p:spTree>
+    <p:extLst>
+      <p:ext uri="{BB962C8B-B14F-4D97-AF65-F5344CB8AC3E}">
+        <p14:creationId xmlns:p14="http://schemas.microsoft.com/office/powerpoint/2010/main" val="2251325507"/>
+      </p:ext>
+    </p:extLst>
+  </p:cSld>
+  <p:clrMapOvr>
+    <a:masterClrMapping/>
+  </p:clrMapOvr>
+  <mc:AlternateContent xmlns:mc="http://schemas.openxmlformats.org/markup-compatibility/2006">
+    <mc:Choice xmlns:p14="http://schemas.microsoft.com/office/powerpoint/2010/main" Requires="p14">
+      <p:transition spd="slow" p14:dur="2000"/>
+    </mc:Choice>
+    <mc:Fallback>
+      <p:transition spd="slow"/>
+    </mc:Fallback>
+  </mc:AlternateContent>
+  <p:timing>
+    <p:tnLst>
+      <p:par>
+        <p:cTn id="1" dur="indefinite" restart="never" nodeType="tmRoot"/>
+      </p:par>
+    </p:tnLst>
+  </p:timing>
+</p:sld>
+</file>
+
+<file path=ppt/slides/slide7.xml><?xml version="1.0" encoding="utf-8"?>
+<p:sld xmlns:a="http://schemas.openxmlformats.org/drawingml/2006/main" xmlns:r="http://schemas.openxmlformats.org/officeDocument/2006/relationships" xmlns:p="http://schemas.openxmlformats.org/presentationml/2006/main">
+  <p:cSld>
     <p:spTree>
       <p:nvGrpSpPr>
         <p:cNvPr id="1" name=""/>
@@ -6891,123 +8262,7 @@
 </p:sld>
 </file>
 
-<file path=ppt/slides/slide4.xml><?xml version="1.0" encoding="utf-8"?>
-<p:sld xmlns:a="http://schemas.openxmlformats.org/drawingml/2006/main" xmlns:r="http://schemas.openxmlformats.org/officeDocument/2006/relationships" xmlns:p="http://schemas.openxmlformats.org/presentationml/2006/main">
-  <p:cSld>
-    <p:spTree>
-      <p:nvGrpSpPr>
-        <p:cNvPr id="1" name=""/>
-        <p:cNvGrpSpPr/>
-        <p:nvPr/>
-      </p:nvGrpSpPr>
-      <p:grpSpPr>
-        <a:xfrm>
-          <a:off x="0" y="0"/>
-          <a:ext cx="0" cy="0"/>
-          <a:chOff x="0" y="0"/>
-          <a:chExt cx="0" cy="0"/>
-        </a:xfrm>
-      </p:grpSpPr>
-      <p:sp>
-        <p:nvSpPr>
-          <p:cNvPr id="2" name="Title 1"/>
-          <p:cNvSpPr>
-            <a:spLocks noGrp="1"/>
-          </p:cNvSpPr>
-          <p:nvPr>
-            <p:ph type="title"/>
-          </p:nvPr>
-        </p:nvSpPr>
-        <p:spPr/>
-        <p:txBody>
-          <a:bodyPr/>
-          <a:lstStyle/>
-          <a:p>
-            <a:r>
-              <a:rPr lang="en-US" dirty="0" smtClean="0">
-                <a:latin typeface="Courier New" panose="02070309020205020404" pitchFamily="49" charset="0"/>
-                <a:cs typeface="Courier New" panose="02070309020205020404" pitchFamily="49" charset="0"/>
-              </a:rPr>
-              <a:t>MVVM</a:t>
-            </a:r>
-            <a:endParaRPr lang="ru-RU" dirty="0">
-              <a:latin typeface="Courier New" panose="02070309020205020404" pitchFamily="49" charset="0"/>
-              <a:cs typeface="Courier New" panose="02070309020205020404" pitchFamily="49" charset="0"/>
-            </a:endParaRPr>
-          </a:p>
-        </p:txBody>
-      </p:sp>
-      <p:sp>
-        <p:nvSpPr>
-          <p:cNvPr id="3" name="Content Placeholder 2"/>
-          <p:cNvSpPr>
-            <a:spLocks noGrp="1"/>
-          </p:cNvSpPr>
-          <p:nvPr>
-            <p:ph idx="1"/>
-          </p:nvPr>
-        </p:nvSpPr>
-        <p:spPr>
-          <a:xfrm>
-            <a:off x="457200" y="1600200"/>
-            <a:ext cx="8229600" cy="3809999"/>
-          </a:xfrm>
-        </p:spPr>
-        <p:txBody>
-          <a:bodyPr>
-            <a:normAutofit/>
-          </a:bodyPr>
-          <a:lstStyle/>
-          <a:p>
-            <a:r>
-              <a:rPr lang="en-US" dirty="0" smtClean="0"/>
-              <a:t>JS – model</a:t>
-            </a:r>
-          </a:p>
-          <a:p>
-            <a:r>
-              <a:rPr lang="en-US" dirty="0" smtClean="0"/>
-              <a:t>HTML – view</a:t>
-            </a:r>
-          </a:p>
-          <a:p>
-            <a:r>
-              <a:rPr lang="en-US" dirty="0" smtClean="0"/>
-              <a:t>$scope – view model – shared object between view and model</a:t>
-            </a:r>
-            <a:endParaRPr lang="ru-RU" dirty="0"/>
-          </a:p>
-        </p:txBody>
-      </p:sp>
-    </p:spTree>
-    <p:extLst>
-      <p:ext uri="{BB962C8B-B14F-4D97-AF65-F5344CB8AC3E}">
-        <p14:creationId xmlns:p14="http://schemas.microsoft.com/office/powerpoint/2010/main" val="1498899927"/>
-      </p:ext>
-    </p:extLst>
-  </p:cSld>
-  <p:clrMapOvr>
-    <a:masterClrMapping/>
-  </p:clrMapOvr>
-  <mc:AlternateContent xmlns:mc="http://schemas.openxmlformats.org/markup-compatibility/2006" xmlns:p14="http://schemas.microsoft.com/office/powerpoint/2010/main">
-    <mc:Choice Requires="p14">
-      <p:transition spd="slow" p14:dur="2000"/>
-    </mc:Choice>
-    <mc:Fallback xmlns="">
-      <p:transition spd="slow"/>
-    </mc:Fallback>
-  </mc:AlternateContent>
-  <p:timing>
-    <p:tnLst>
-      <p:par>
-        <p:cTn id="1" dur="indefinite" restart="never" nodeType="tmRoot"/>
-      </p:par>
-    </p:tnLst>
-  </p:timing>
-</p:sld>
-</file>
-
-<file path=ppt/slides/slide5.xml><?xml version="1.0" encoding="utf-8"?>
+<file path=ppt/slides/slide8.xml><?xml version="1.0" encoding="utf-8"?>
 <p:sld xmlns:a="http://schemas.openxmlformats.org/drawingml/2006/main" xmlns:r="http://schemas.openxmlformats.org/officeDocument/2006/relationships" xmlns:p="http://schemas.openxmlformats.org/presentationml/2006/main">
   <p:cSld>
     <p:spTree>
@@ -7100,7 +8355,7 @@
 </p:sld>
 </file>
 
-<file path=ppt/slides/slide6.xml><?xml version="1.0" encoding="utf-8"?>
+<file path=ppt/slides/slide9.xml><?xml version="1.0" encoding="utf-8"?>
 <p:sld xmlns:a="http://schemas.openxmlformats.org/drawingml/2006/main" xmlns:r="http://schemas.openxmlformats.org/officeDocument/2006/relationships" xmlns:p="http://schemas.openxmlformats.org/presentationml/2006/main">
   <p:cSld>
     <p:spTree>
@@ -7207,370 +8462,6 @@
       <p:transition spd="slow"/>
     </mc:Fallback>
   </mc:AlternateContent>
-  <p:timing>
-    <p:tnLst>
-      <p:par>
-        <p:cTn id="1" dur="indefinite" restart="never" nodeType="tmRoot"/>
-      </p:par>
-    </p:tnLst>
-  </p:timing>
-</p:sld>
-</file>
-
-<file path=ppt/slides/slide7.xml><?xml version="1.0" encoding="utf-8"?>
-<p:sld xmlns:a="http://schemas.openxmlformats.org/drawingml/2006/main" xmlns:r="http://schemas.openxmlformats.org/officeDocument/2006/relationships" xmlns:p="http://schemas.openxmlformats.org/presentationml/2006/main">
-  <p:cSld>
-    <p:spTree>
-      <p:nvGrpSpPr>
-        <p:cNvPr id="1" name=""/>
-        <p:cNvGrpSpPr/>
-        <p:nvPr/>
-      </p:nvGrpSpPr>
-      <p:grpSpPr>
-        <a:xfrm>
-          <a:off x="0" y="0"/>
-          <a:ext cx="0" cy="0"/>
-          <a:chOff x="0" y="0"/>
-          <a:chExt cx="0" cy="0"/>
-        </a:xfrm>
-      </p:grpSpPr>
-      <p:sp>
-        <p:nvSpPr>
-          <p:cNvPr id="2" name="Title 1"/>
-          <p:cNvSpPr>
-            <a:spLocks noGrp="1"/>
-          </p:cNvSpPr>
-          <p:nvPr>
-            <p:ph type="title"/>
-          </p:nvPr>
-        </p:nvSpPr>
-        <p:spPr/>
-        <p:txBody>
-          <a:bodyPr/>
-          <a:lstStyle/>
-          <a:p>
-            <a:r>
-              <a:rPr lang="en-US" dirty="0" smtClean="0">
-                <a:latin typeface="Courier New" panose="02070309020205020404" pitchFamily="49" charset="0"/>
-                <a:cs typeface="Courier New" panose="02070309020205020404" pitchFamily="49" charset="0"/>
-              </a:rPr>
-              <a:t>$scope</a:t>
-            </a:r>
-            <a:endParaRPr lang="ru-RU" dirty="0">
-              <a:latin typeface="Courier New" panose="02070309020205020404" pitchFamily="49" charset="0"/>
-              <a:cs typeface="Courier New" panose="02070309020205020404" pitchFamily="49" charset="0"/>
-            </a:endParaRPr>
-          </a:p>
-        </p:txBody>
-      </p:sp>
-      <p:sp>
-        <p:nvSpPr>
-          <p:cNvPr id="3" name="Content Placeholder 2"/>
-          <p:cNvSpPr>
-            <a:spLocks noGrp="1"/>
-          </p:cNvSpPr>
-          <p:nvPr>
-            <p:ph idx="1"/>
-          </p:nvPr>
-        </p:nvSpPr>
-        <p:spPr>
-          <a:xfrm>
-            <a:off x="457200" y="1600200"/>
-            <a:ext cx="8229600" cy="3809999"/>
-          </a:xfrm>
-        </p:spPr>
-        <p:txBody>
-          <a:bodyPr>
-            <a:normAutofit/>
-          </a:bodyPr>
-          <a:lstStyle/>
-          <a:p>
-            <a:r>
-              <a:rPr lang="en-US" dirty="0"/>
-              <a:t>In an AngularJS application, the controller and view share an object called a </a:t>
-            </a:r>
-            <a:r>
-              <a:rPr lang="en-US" dirty="0" smtClean="0"/>
-              <a:t>scope</a:t>
-            </a:r>
-          </a:p>
-          <a:p>
-            <a:r>
-              <a:rPr lang="en-US" dirty="0" smtClean="0"/>
-              <a:t>scope has </a:t>
-            </a:r>
-            <a:r>
-              <a:rPr lang="en-US" dirty="0"/>
-              <a:t>two-way data </a:t>
-            </a:r>
-            <a:r>
-              <a:rPr lang="en-US" dirty="0" smtClean="0"/>
-              <a:t>binding</a:t>
-            </a:r>
-          </a:p>
-          <a:p>
-            <a:r>
-              <a:rPr lang="en-US" dirty="0"/>
-              <a:t>$</a:t>
-            </a:r>
-            <a:r>
-              <a:rPr lang="en-US" dirty="0" err="1" smtClean="0"/>
-              <a:t>rootScope</a:t>
-            </a:r>
-            <a:r>
-              <a:rPr lang="en-US" dirty="0" smtClean="0"/>
-              <a:t> is always created on app start</a:t>
-            </a:r>
-            <a:endParaRPr lang="ru-RU" dirty="0"/>
-          </a:p>
-        </p:txBody>
-      </p:sp>
-    </p:spTree>
-    <p:extLst>
-      <p:ext uri="{BB962C8B-B14F-4D97-AF65-F5344CB8AC3E}">
-        <p14:creationId xmlns:p14="http://schemas.microsoft.com/office/powerpoint/2010/main" val="2019787567"/>
-      </p:ext>
-    </p:extLst>
-  </p:cSld>
-  <p:clrMapOvr>
-    <a:masterClrMapping/>
-  </p:clrMapOvr>
-  <mc:AlternateContent xmlns:mc="http://schemas.openxmlformats.org/markup-compatibility/2006" xmlns:p14="http://schemas.microsoft.com/office/powerpoint/2010/main">
-    <mc:Choice Requires="p14">
-      <p:transition spd="slow" p14:dur="2000"/>
-    </mc:Choice>
-    <mc:Fallback xmlns="">
-      <p:transition spd="slow"/>
-    </mc:Fallback>
-  </mc:AlternateContent>
-  <p:timing>
-    <p:tnLst>
-      <p:par>
-        <p:cTn id="1" dur="indefinite" restart="never" nodeType="tmRoot"/>
-      </p:par>
-    </p:tnLst>
-  </p:timing>
-</p:sld>
-</file>
-
-<file path=ppt/slides/slide8.xml><?xml version="1.0" encoding="utf-8"?>
-<p:sld xmlns:a="http://schemas.openxmlformats.org/drawingml/2006/main" xmlns:r="http://schemas.openxmlformats.org/officeDocument/2006/relationships" xmlns:p="http://schemas.openxmlformats.org/presentationml/2006/main">
-  <p:cSld>
-    <p:spTree>
-      <p:nvGrpSpPr>
-        <p:cNvPr id="1" name=""/>
-        <p:cNvGrpSpPr/>
-        <p:nvPr/>
-      </p:nvGrpSpPr>
-      <p:grpSpPr>
-        <a:xfrm>
-          <a:off x="0" y="0"/>
-          <a:ext cx="0" cy="0"/>
-          <a:chOff x="0" y="0"/>
-          <a:chExt cx="0" cy="0"/>
-        </a:xfrm>
-      </p:grpSpPr>
-      <p:sp>
-        <p:nvSpPr>
-          <p:cNvPr id="2" name="Title 1"/>
-          <p:cNvSpPr>
-            <a:spLocks noGrp="1"/>
-          </p:cNvSpPr>
-          <p:nvPr>
-            <p:ph type="title"/>
-          </p:nvPr>
-        </p:nvSpPr>
-        <p:spPr/>
-        <p:txBody>
-          <a:bodyPr/>
-          <a:lstStyle/>
-          <a:p>
-            <a:r>
-              <a:rPr lang="en-US" dirty="0" smtClean="0">
-                <a:latin typeface="Courier New" panose="02070309020205020404" pitchFamily="49" charset="0"/>
-                <a:cs typeface="Courier New" panose="02070309020205020404" pitchFamily="49" charset="0"/>
-              </a:rPr>
-              <a:t>$ build-in services</a:t>
-            </a:r>
-            <a:endParaRPr lang="ru-RU" dirty="0">
-              <a:latin typeface="Courier New" panose="02070309020205020404" pitchFamily="49" charset="0"/>
-              <a:cs typeface="Courier New" panose="02070309020205020404" pitchFamily="49" charset="0"/>
-            </a:endParaRPr>
-          </a:p>
-        </p:txBody>
-      </p:sp>
-      <p:sp>
-        <p:nvSpPr>
-          <p:cNvPr id="3" name="Content Placeholder 2"/>
-          <p:cNvSpPr>
-            <a:spLocks noGrp="1"/>
-          </p:cNvSpPr>
-          <p:nvPr>
-            <p:ph idx="1"/>
-          </p:nvPr>
-        </p:nvSpPr>
-        <p:spPr>
-          <a:xfrm>
-            <a:off x="457200" y="1600200"/>
-            <a:ext cx="8229600" cy="3809999"/>
-          </a:xfrm>
-        </p:spPr>
-        <p:txBody>
-          <a:bodyPr>
-            <a:normAutofit/>
-          </a:bodyPr>
-          <a:lstStyle/>
-          <a:p>
-            <a:r>
-              <a:rPr lang="en-US" dirty="0" smtClean="0"/>
-              <a:t>services are lazy-initialized</a:t>
-            </a:r>
-          </a:p>
-          <a:p>
-            <a:r>
-              <a:rPr lang="en-US" dirty="0" smtClean="0"/>
-              <a:t>build-in services always start with </a:t>
-            </a:r>
-            <a:r>
-              <a:rPr lang="en-US" dirty="0" smtClean="0">
-                <a:latin typeface="Courier New" panose="02070309020205020404" pitchFamily="49" charset="0"/>
-                <a:cs typeface="Courier New" panose="02070309020205020404" pitchFamily="49" charset="0"/>
-              </a:rPr>
-              <a:t>$</a:t>
-            </a:r>
-          </a:p>
-          <a:p>
-            <a:endParaRPr lang="ru-RU" dirty="0">
-              <a:latin typeface="+mj-lt"/>
-              <a:cs typeface="Courier New" panose="02070309020205020404" pitchFamily="49" charset="0"/>
-            </a:endParaRPr>
-          </a:p>
-        </p:txBody>
-      </p:sp>
-    </p:spTree>
-    <p:extLst>
-      <p:ext uri="{BB962C8B-B14F-4D97-AF65-F5344CB8AC3E}">
-        <p14:creationId xmlns:p14="http://schemas.microsoft.com/office/powerpoint/2010/main" val="1584952820"/>
-      </p:ext>
-    </p:extLst>
-  </p:cSld>
-  <p:clrMapOvr>
-    <a:masterClrMapping/>
-  </p:clrMapOvr>
-  <mc:AlternateContent xmlns:mc="http://schemas.openxmlformats.org/markup-compatibility/2006" xmlns:p14="http://schemas.microsoft.com/office/powerpoint/2010/main">
-    <mc:Choice Requires="p14">
-      <p:transition spd="slow" p14:dur="2000"/>
-    </mc:Choice>
-    <mc:Fallback xmlns="">
-      <p:transition spd="slow"/>
-    </mc:Fallback>
-  </mc:AlternateContent>
-  <p:timing>
-    <p:tnLst>
-      <p:par>
-        <p:cTn id="1" dur="indefinite" restart="never" nodeType="tmRoot"/>
-      </p:par>
-    </p:tnLst>
-  </p:timing>
-</p:sld>
-</file>
-
-<file path=ppt/slides/slide9.xml><?xml version="1.0" encoding="utf-8"?>
-<p:sld xmlns:a="http://schemas.openxmlformats.org/drawingml/2006/main" xmlns:r="http://schemas.openxmlformats.org/officeDocument/2006/relationships" xmlns:p="http://schemas.openxmlformats.org/presentationml/2006/main">
-  <p:cSld>
-    <p:spTree>
-      <p:nvGrpSpPr>
-        <p:cNvPr id="1" name=""/>
-        <p:cNvGrpSpPr/>
-        <p:nvPr/>
-      </p:nvGrpSpPr>
-      <p:grpSpPr>
-        <a:xfrm>
-          <a:off x="0" y="0"/>
-          <a:ext cx="0" cy="0"/>
-          <a:chOff x="0" y="0"/>
-          <a:chExt cx="0" cy="0"/>
-        </a:xfrm>
-      </p:grpSpPr>
-      <p:sp>
-        <p:nvSpPr>
-          <p:cNvPr id="2" name="Title 1"/>
-          <p:cNvSpPr>
-            <a:spLocks noGrp="1"/>
-          </p:cNvSpPr>
-          <p:nvPr>
-            <p:ph type="title"/>
-          </p:nvPr>
-        </p:nvSpPr>
-        <p:spPr/>
-        <p:txBody>
-          <a:bodyPr/>
-          <a:lstStyle/>
-          <a:p>
-            <a:r>
-              <a:rPr lang="en-US" dirty="0" smtClean="0">
-                <a:latin typeface="Courier New" panose="02070309020205020404" pitchFamily="49" charset="0"/>
-                <a:cs typeface="Courier New" panose="02070309020205020404" pitchFamily="49" charset="0"/>
-              </a:rPr>
-              <a:t>Application lifecycle</a:t>
-            </a:r>
-            <a:endParaRPr lang="ru-RU" dirty="0">
-              <a:latin typeface="Courier New" panose="02070309020205020404" pitchFamily="49" charset="0"/>
-              <a:cs typeface="Courier New" panose="02070309020205020404" pitchFamily="49" charset="0"/>
-            </a:endParaRPr>
-          </a:p>
-        </p:txBody>
-      </p:sp>
-      <p:sp>
-        <p:nvSpPr>
-          <p:cNvPr id="3" name="Content Placeholder 2"/>
-          <p:cNvSpPr>
-            <a:spLocks noGrp="1"/>
-          </p:cNvSpPr>
-          <p:nvPr>
-            <p:ph idx="1"/>
-          </p:nvPr>
-        </p:nvSpPr>
-        <p:spPr/>
-        <p:txBody>
-          <a:bodyPr/>
-          <a:lstStyle/>
-          <a:p>
-            <a:r>
-              <a:rPr lang="en-US" dirty="0" smtClean="0"/>
-              <a:t>starts the app, creates $</a:t>
-            </a:r>
-            <a:r>
-              <a:rPr lang="en-US" dirty="0" err="1" smtClean="0"/>
-              <a:t>rootScope</a:t>
-            </a:r>
-            <a:endParaRPr lang="en-US" dirty="0" smtClean="0"/>
-          </a:p>
-          <a:p>
-            <a:r>
-              <a:rPr lang="en-US" dirty="0" smtClean="0"/>
-              <a:t>“compiles” the DOM, searches for directives</a:t>
-            </a:r>
-          </a:p>
-          <a:p>
-            <a:r>
-              <a:rPr lang="en-US" dirty="0" smtClean="0"/>
-              <a:t>creates the scopes tree that “mirrors” the DOM</a:t>
-            </a:r>
-            <a:endParaRPr lang="ru-RU" dirty="0"/>
-          </a:p>
-        </p:txBody>
-      </p:sp>
-    </p:spTree>
-    <p:extLst>
-      <p:ext uri="{BB962C8B-B14F-4D97-AF65-F5344CB8AC3E}">
-        <p14:creationId xmlns:p14="http://schemas.microsoft.com/office/powerpoint/2010/main" val="1797790202"/>
-      </p:ext>
-    </p:extLst>
-  </p:cSld>
-  <p:clrMapOvr>
-    <a:masterClrMapping/>
-  </p:clrMapOvr>
   <p:timing>
     <p:tnLst>
       <p:par>

--- a/docs/01_ng_basics.pptx
+++ b/docs/01_ng_basics.pptx
@@ -5,7 +5,7 @@
     <p:sldMasterId id="2147483648" r:id="rId1"/>
   </p:sldMasterIdLst>
   <p:notesMasterIdLst>
-    <p:notesMasterId r:id="rId22"/>
+    <p:notesMasterId r:id="rId21"/>
   </p:notesMasterIdLst>
   <p:sldIdLst>
     <p:sldId id="256" r:id="rId2"/>
@@ -27,7 +27,6 @@
     <p:sldId id="262" r:id="rId18"/>
     <p:sldId id="263" r:id="rId19"/>
     <p:sldId id="264" r:id="rId20"/>
-    <p:sldId id="265" r:id="rId21"/>
   </p:sldIdLst>
   <p:sldSz cx="9144000" cy="6858000" type="screen4x3"/>
   <p:notesSz cx="6858000" cy="9144000"/>
@@ -128,7 +127,7 @@
   </p:defaultTextStyle>
   <p:extLst>
     <p:ext uri="{EFAFB233-063F-42B5-8137-9DF3F51BA10A}">
-      <p15:sldGuideLst xmlns:p15="http://schemas.microsoft.com/office/powerpoint/2012/main">
+      <p15:sldGuideLst xmlns="" xmlns:p15="http://schemas.microsoft.com/office/powerpoint/2012/main">
         <p15:guide id="1" orient="horz" pos="2160">
           <p15:clr>
             <a:srgbClr val="A4A3A4"/>
@@ -227,7 +226,7 @@
           <a:p>
             <a:fld id="{CB1C2BA7-0370-4E4B-9997-E70834CB9037}" type="datetimeFigureOut">
               <a:rPr lang="ru-RU" smtClean="0"/>
-              <a:t>03.12.2016</a:t>
+              <a:t>05.12.2016</a:t>
             </a:fld>
             <a:endParaRPr lang="ru-RU"/>
           </a:p>
@@ -987,112 +986,6 @@
 </p:notes>
 </file>
 
-<file path=ppt/notesSlides/notesSlide14.xml><?xml version="1.0" encoding="utf-8"?>
-<p:notes xmlns:a="http://schemas.openxmlformats.org/drawingml/2006/main" xmlns:r="http://schemas.openxmlformats.org/officeDocument/2006/relationships" xmlns:p="http://schemas.openxmlformats.org/presentationml/2006/main">
-  <p:cSld>
-    <p:spTree>
-      <p:nvGrpSpPr>
-        <p:cNvPr id="1" name=""/>
-        <p:cNvGrpSpPr/>
-        <p:nvPr/>
-      </p:nvGrpSpPr>
-      <p:grpSpPr>
-        <a:xfrm>
-          <a:off x="0" y="0"/>
-          <a:ext cx="0" cy="0"/>
-          <a:chOff x="0" y="0"/>
-          <a:chExt cx="0" cy="0"/>
-        </a:xfrm>
-      </p:grpSpPr>
-      <p:sp>
-        <p:nvSpPr>
-          <p:cNvPr id="2" name="Slide Image Placeholder 1"/>
-          <p:cNvSpPr>
-            <a:spLocks noGrp="1" noRot="1" noChangeAspect="1"/>
-          </p:cNvSpPr>
-          <p:nvPr>
-            <p:ph type="sldImg"/>
-          </p:nvPr>
-        </p:nvSpPr>
-        <p:spPr/>
-      </p:sp>
-      <p:sp>
-        <p:nvSpPr>
-          <p:cNvPr id="3" name="Notes Placeholder 2"/>
-          <p:cNvSpPr>
-            <a:spLocks noGrp="1"/>
-          </p:cNvSpPr>
-          <p:nvPr>
-            <p:ph type="body" idx="1"/>
-          </p:nvPr>
-        </p:nvSpPr>
-        <p:spPr/>
-        <p:txBody>
-          <a:bodyPr/>
-          <a:lstStyle/>
-          <a:p>
-            <a:r>
-              <a:rPr lang="en-US" dirty="0" smtClean="0"/>
-              <a:t>Nothing to do with</a:t>
-            </a:r>
-            <a:r>
-              <a:rPr lang="en-US" baseline="0" dirty="0" smtClean="0"/>
-              <a:t> java</a:t>
-            </a:r>
-          </a:p>
-          <a:p>
-            <a:r>
-              <a:rPr lang="en-US" baseline="0" dirty="0" smtClean="0"/>
-              <a:t>Not a scripting </a:t>
-            </a:r>
-            <a:r>
-              <a:rPr lang="en-US" baseline="0" dirty="0" err="1" smtClean="0"/>
-              <a:t>lang</a:t>
-            </a:r>
-            <a:r>
-              <a:rPr lang="en-US" baseline="0" dirty="0" smtClean="0"/>
-              <a:t> anymore</a:t>
-            </a:r>
-            <a:endParaRPr lang="en-US" dirty="0"/>
-          </a:p>
-        </p:txBody>
-      </p:sp>
-      <p:sp>
-        <p:nvSpPr>
-          <p:cNvPr id="4" name="Slide Number Placeholder 3"/>
-          <p:cNvSpPr>
-            <a:spLocks noGrp="1"/>
-          </p:cNvSpPr>
-          <p:nvPr>
-            <p:ph type="sldNum" sz="quarter" idx="10"/>
-          </p:nvPr>
-        </p:nvSpPr>
-        <p:spPr/>
-        <p:txBody>
-          <a:bodyPr/>
-          <a:lstStyle/>
-          <a:p>
-            <a:fld id="{DA8CAE91-5FC7-41E5-8054-44424FFBB7AB}" type="slidenum">
-              <a:rPr lang="ru-RU" smtClean="0"/>
-              <a:t>20</a:t>
-            </a:fld>
-            <a:endParaRPr lang="ru-RU"/>
-          </a:p>
-        </p:txBody>
-      </p:sp>
-    </p:spTree>
-    <p:extLst>
-      <p:ext uri="{BB962C8B-B14F-4D97-AF65-F5344CB8AC3E}">
-        <p14:creationId xmlns:p14="http://schemas.microsoft.com/office/powerpoint/2010/main" val="359482980"/>
-      </p:ext>
-    </p:extLst>
-  </p:cSld>
-  <p:clrMapOvr>
-    <a:masterClrMapping/>
-  </p:clrMapOvr>
-</p:notes>
-</file>
-
 <file path=ppt/notesSlides/notesSlide2.xml><?xml version="1.0" encoding="utf-8"?>
 <p:notes xmlns:a="http://schemas.openxmlformats.org/drawingml/2006/main" xmlns:r="http://schemas.openxmlformats.org/officeDocument/2006/relationships" xmlns:p="http://schemas.openxmlformats.org/presentationml/2006/main">
   <p:cSld>
@@ -2011,7 +1904,7 @@
             <a:fld id="{1D8BD707-D9CF-40AE-B4C6-C98DA3205C09}" type="datetimeFigureOut">
               <a:rPr lang="en-US" smtClean="0"/>
               <a:pPr/>
-              <a:t>12/3/2016</a:t>
+              <a:t>12/5/2016</a:t>
             </a:fld>
             <a:endParaRPr lang="en-US"/>
           </a:p>
@@ -2178,7 +2071,7 @@
             <a:fld id="{1D8BD707-D9CF-40AE-B4C6-C98DA3205C09}" type="datetimeFigureOut">
               <a:rPr lang="en-US" smtClean="0"/>
               <a:pPr/>
-              <a:t>12/3/2016</a:t>
+              <a:t>12/5/2016</a:t>
             </a:fld>
             <a:endParaRPr lang="en-US"/>
           </a:p>
@@ -2355,7 +2248,7 @@
             <a:fld id="{1D8BD707-D9CF-40AE-B4C6-C98DA3205C09}" type="datetimeFigureOut">
               <a:rPr lang="en-US" smtClean="0"/>
               <a:pPr/>
-              <a:t>12/3/2016</a:t>
+              <a:t>12/5/2016</a:t>
             </a:fld>
             <a:endParaRPr lang="en-US"/>
           </a:p>
@@ -2522,7 +2415,7 @@
             <a:fld id="{1D8BD707-D9CF-40AE-B4C6-C98DA3205C09}" type="datetimeFigureOut">
               <a:rPr lang="en-US" smtClean="0"/>
               <a:pPr/>
-              <a:t>12/3/2016</a:t>
+              <a:t>12/5/2016</a:t>
             </a:fld>
             <a:endParaRPr lang="en-US"/>
           </a:p>
@@ -2765,7 +2658,7 @@
             <a:fld id="{1D8BD707-D9CF-40AE-B4C6-C98DA3205C09}" type="datetimeFigureOut">
               <a:rPr lang="en-US" smtClean="0"/>
               <a:pPr/>
-              <a:t>12/3/2016</a:t>
+              <a:t>12/5/2016</a:t>
             </a:fld>
             <a:endParaRPr lang="en-US"/>
           </a:p>
@@ -3050,7 +2943,7 @@
             <a:fld id="{1D8BD707-D9CF-40AE-B4C6-C98DA3205C09}" type="datetimeFigureOut">
               <a:rPr lang="en-US" smtClean="0"/>
               <a:pPr/>
-              <a:t>12/3/2016</a:t>
+              <a:t>12/5/2016</a:t>
             </a:fld>
             <a:endParaRPr lang="en-US"/>
           </a:p>
@@ -3469,7 +3362,7 @@
             <a:fld id="{1D8BD707-D9CF-40AE-B4C6-C98DA3205C09}" type="datetimeFigureOut">
               <a:rPr lang="en-US" smtClean="0"/>
               <a:pPr/>
-              <a:t>12/3/2016</a:t>
+              <a:t>12/5/2016</a:t>
             </a:fld>
             <a:endParaRPr lang="en-US"/>
           </a:p>
@@ -3584,7 +3477,7 @@
             <a:fld id="{1D8BD707-D9CF-40AE-B4C6-C98DA3205C09}" type="datetimeFigureOut">
               <a:rPr lang="en-US" smtClean="0"/>
               <a:pPr/>
-              <a:t>12/3/2016</a:t>
+              <a:t>12/5/2016</a:t>
             </a:fld>
             <a:endParaRPr lang="en-US"/>
           </a:p>
@@ -3676,7 +3569,7 @@
             <a:fld id="{1D8BD707-D9CF-40AE-B4C6-C98DA3205C09}" type="datetimeFigureOut">
               <a:rPr lang="en-US" smtClean="0"/>
               <a:pPr/>
-              <a:t>12/3/2016</a:t>
+              <a:t>12/5/2016</a:t>
             </a:fld>
             <a:endParaRPr lang="en-US"/>
           </a:p>
@@ -3950,7 +3843,7 @@
             <a:fld id="{1D8BD707-D9CF-40AE-B4C6-C98DA3205C09}" type="datetimeFigureOut">
               <a:rPr lang="en-US" smtClean="0"/>
               <a:pPr/>
-              <a:t>12/3/2016</a:t>
+              <a:t>12/5/2016</a:t>
             </a:fld>
             <a:endParaRPr lang="en-US"/>
           </a:p>
@@ -4200,7 +4093,7 @@
             <a:fld id="{1D8BD707-D9CF-40AE-B4C6-C98DA3205C09}" type="datetimeFigureOut">
               <a:rPr lang="en-US" smtClean="0"/>
               <a:pPr/>
-              <a:t>12/3/2016</a:t>
+              <a:t>12/5/2016</a:t>
             </a:fld>
             <a:endParaRPr lang="en-US"/>
           </a:p>
@@ -4413,7 +4306,7 @@
             <a:fld id="{1D8BD707-D9CF-40AE-B4C6-C98DA3205C09}" type="datetimeFigureOut">
               <a:rPr lang="en-US" smtClean="0"/>
               <a:pPr/>
-              <a:t>12/3/2016</a:t>
+              <a:t>12/5/2016</a:t>
             </a:fld>
             <a:endParaRPr lang="en-US"/>
           </a:p>
@@ -6499,6 +6392,13 @@
   <p:clrMapOvr>
     <a:masterClrMapping/>
   </p:clrMapOvr>
+  <p:timing>
+    <p:tnLst>
+      <p:par>
+        <p:cTn id="1" dur="indefinite" restart="never" nodeType="tmRoot"/>
+      </p:par>
+    </p:tnLst>
+  </p:timing>
 </p:sld>
 </file>
 
@@ -6595,6 +6495,13 @@
   <p:clrMapOvr>
     <a:masterClrMapping/>
   </p:clrMapOvr>
+  <p:timing>
+    <p:tnLst>
+      <p:par>
+        <p:cTn id="1" dur="indefinite" restart="never" nodeType="tmRoot"/>
+      </p:par>
+    </p:tnLst>
+  </p:timing>
 </p:sld>
 </file>
 
@@ -6681,6 +6588,13 @@
   <p:clrMapOvr>
     <a:masterClrMapping/>
   </p:clrMapOvr>
+  <p:timing>
+    <p:tnLst>
+      <p:par>
+        <p:cTn id="1" dur="indefinite" restart="never" nodeType="tmRoot"/>
+      </p:par>
+    </p:tnLst>
+  </p:timing>
 </p:sld>
 </file>
 
@@ -6763,6 +6677,13 @@
   <p:clrMapOvr>
     <a:masterClrMapping/>
   </p:clrMapOvr>
+  <p:timing>
+    <p:tnLst>
+      <p:par>
+        <p:cTn id="1" dur="indefinite" restart="never" nodeType="tmRoot"/>
+      </p:par>
+    </p:tnLst>
+  </p:timing>
 </p:sld>
 </file>
 
@@ -6845,6 +6766,13 @@
   <p:clrMapOvr>
     <a:masterClrMapping/>
   </p:clrMapOvr>
+  <p:timing>
+    <p:tnLst>
+      <p:par>
+        <p:cTn id="1" dur="indefinite" restart="never" nodeType="tmRoot"/>
+      </p:par>
+    </p:tnLst>
+  </p:timing>
 </p:sld>
 </file>
 
@@ -6885,7 +6813,81 @@
                 <a:latin typeface="Courier New" panose="02070309020205020404" pitchFamily="49" charset="0"/>
                 <a:cs typeface="Courier New" panose="02070309020205020404" pitchFamily="49" charset="0"/>
               </a:rPr>
-              <a:t>Today more showcase</a:t>
+              <a:t>Today showcase</a:t>
+            </a:r>
+            <a:endParaRPr lang="ru-RU" dirty="0">
+              <a:latin typeface="Courier New" panose="02070309020205020404" pitchFamily="49" charset="0"/>
+              <a:cs typeface="Courier New" panose="02070309020205020404" pitchFamily="49" charset="0"/>
+            </a:endParaRPr>
+          </a:p>
+        </p:txBody>
+      </p:sp>
+    </p:spTree>
+    <p:extLst>
+      <p:ext uri="{BB962C8B-B14F-4D97-AF65-F5344CB8AC3E}">
+        <p14:creationId xmlns:p14="http://schemas.microsoft.com/office/powerpoint/2010/main" val="3356693845"/>
+      </p:ext>
+    </p:extLst>
+  </p:cSld>
+  <p:clrMapOvr>
+    <a:masterClrMapping/>
+  </p:clrMapOvr>
+  <mc:AlternateContent xmlns:mc="http://schemas.openxmlformats.org/markup-compatibility/2006" xmlns:p14="http://schemas.microsoft.com/office/powerpoint/2010/main">
+    <mc:Choice Requires="p14">
+      <p:transition spd="slow" p14:dur="2000"/>
+    </mc:Choice>
+    <mc:Fallback xmlns="">
+      <p:transition spd="slow"/>
+    </mc:Fallback>
+  </mc:AlternateContent>
+  <p:timing>
+    <p:tnLst>
+      <p:par>
+        <p:cTn id="1" dur="indefinite" restart="never" nodeType="tmRoot"/>
+      </p:par>
+    </p:tnLst>
+  </p:timing>
+</p:sld>
+</file>
+
+<file path=ppt/slides/slide3.xml><?xml version="1.0" encoding="utf-8"?>
+<p:sld xmlns:a="http://schemas.openxmlformats.org/drawingml/2006/main" xmlns:r="http://schemas.openxmlformats.org/officeDocument/2006/relationships" xmlns:p="http://schemas.openxmlformats.org/presentationml/2006/main">
+  <p:cSld>
+    <p:spTree>
+      <p:nvGrpSpPr>
+        <p:cNvPr id="1" name=""/>
+        <p:cNvGrpSpPr/>
+        <p:nvPr/>
+      </p:nvGrpSpPr>
+      <p:grpSpPr>
+        <a:xfrm>
+          <a:off x="0" y="0"/>
+          <a:ext cx="0" cy="0"/>
+          <a:chOff x="0" y="0"/>
+          <a:chExt cx="0" cy="0"/>
+        </a:xfrm>
+      </p:grpSpPr>
+      <p:sp>
+        <p:nvSpPr>
+          <p:cNvPr id="2" name="Title 1"/>
+          <p:cNvSpPr>
+            <a:spLocks noGrp="1"/>
+          </p:cNvSpPr>
+          <p:nvPr>
+            <p:ph type="title"/>
+          </p:nvPr>
+        </p:nvSpPr>
+        <p:spPr/>
+        <p:txBody>
+          <a:bodyPr/>
+          <a:lstStyle/>
+          <a:p>
+            <a:r>
+              <a:rPr lang="en-US" dirty="0" smtClean="0">
+                <a:latin typeface="Courier New" panose="02070309020205020404" pitchFamily="49" charset="0"/>
+                <a:cs typeface="Courier New" panose="02070309020205020404" pitchFamily="49" charset="0"/>
+              </a:rPr>
+              <a:t>The Zen of Angular</a:t>
             </a:r>
             <a:endParaRPr lang="ru-RU" dirty="0">
               <a:latin typeface="Courier New" panose="02070309020205020404" pitchFamily="49" charset="0"/>
@@ -6934,13 +6936,8 @@
           <a:p>
             <a:r>
               <a:rPr lang="en-US" sz="2000" dirty="0" smtClean="0"/>
-              <a:t>2-way </a:t>
-            </a:r>
-            <a:r>
-              <a:rPr lang="en-US" sz="2000" dirty="0" smtClean="0"/>
-              <a:t>binding</a:t>
-            </a:r>
-            <a:endParaRPr lang="en-US" sz="2000" dirty="0" smtClean="0"/>
+              <a:t>2-way binding</a:t>
+            </a:r>
           </a:p>
         </p:txBody>
       </p:sp>
@@ -7106,7 +7103,7 @@
     </p:spTree>
     <p:extLst>
       <p:ext uri="{BB962C8B-B14F-4D97-AF65-F5344CB8AC3E}">
-        <p14:creationId xmlns:p14="http://schemas.microsoft.com/office/powerpoint/2010/main" val="3356693845"/>
+        <p14:creationId xmlns:p14="http://schemas.microsoft.com/office/powerpoint/2010/main" val="3797030103"/>
       </p:ext>
     </p:extLst>
   </p:cSld>
@@ -7118,547 +7115,6 @@
       <p:transition spd="slow" p14:dur="2000"/>
     </mc:Choice>
     <mc:Fallback xmlns="">
-      <p:transition spd="slow"/>
-    </mc:Fallback>
-  </mc:AlternateContent>
-  <p:timing>
-    <p:tnLst>
-      <p:par>
-        <p:cTn id="1" dur="indefinite" restart="never" nodeType="tmRoot">
-          <p:childTnLst>
-            <p:seq concurrent="1" nextAc="seek">
-              <p:cTn id="2" dur="indefinite" nodeType="mainSeq">
-                <p:childTnLst>
-                  <p:par>
-                    <p:cTn id="3" fill="hold">
-                      <p:stCondLst>
-                        <p:cond delay="indefinite"/>
-                      </p:stCondLst>
-                      <p:childTnLst>
-                        <p:par>
-                          <p:cTn id="4" fill="hold">
-                            <p:stCondLst>
-                              <p:cond delay="0"/>
-                            </p:stCondLst>
-                            <p:childTnLst>
-                              <p:par>
-                                <p:cTn id="5" presetID="1" presetClass="entr" presetSubtype="0" fill="hold" grpId="0" nodeType="clickEffect">
-                                  <p:stCondLst>
-                                    <p:cond delay="0"/>
-                                  </p:stCondLst>
-                                  <p:childTnLst>
-                                    <p:set>
-                                      <p:cBhvr>
-                                        <p:cTn id="6" dur="1" fill="hold">
-                                          <p:stCondLst>
-                                            <p:cond delay="0"/>
-                                          </p:stCondLst>
-                                        </p:cTn>
-                                        <p:tgtEl>
-                                          <p:spTgt spid="5"/>
-                                        </p:tgtEl>
-                                        <p:attrNameLst>
-                                          <p:attrName>style.visibility</p:attrName>
-                                        </p:attrNameLst>
-                                      </p:cBhvr>
-                                      <p:to>
-                                        <p:strVal val="visible"/>
-                                      </p:to>
-                                    </p:set>
-                                  </p:childTnLst>
-                                </p:cTn>
-                              </p:par>
-                            </p:childTnLst>
-                          </p:cTn>
-                        </p:par>
-                      </p:childTnLst>
-                    </p:cTn>
-                  </p:par>
-                  <p:par>
-                    <p:cTn id="7" fill="hold">
-                      <p:stCondLst>
-                        <p:cond delay="indefinite"/>
-                      </p:stCondLst>
-                      <p:childTnLst>
-                        <p:par>
-                          <p:cTn id="8" fill="hold">
-                            <p:stCondLst>
-                              <p:cond delay="0"/>
-                            </p:stCondLst>
-                            <p:childTnLst>
-                              <p:par>
-                                <p:cTn id="9" presetID="1" presetClass="entr" presetSubtype="0" fill="hold" grpId="0" nodeType="clickEffect">
-                                  <p:stCondLst>
-                                    <p:cond delay="0"/>
-                                  </p:stCondLst>
-                                  <p:childTnLst>
-                                    <p:set>
-                                      <p:cBhvr>
-                                        <p:cTn id="10" dur="1" fill="hold">
-                                          <p:stCondLst>
-                                            <p:cond delay="0"/>
-                                          </p:stCondLst>
-                                        </p:cTn>
-                                        <p:tgtEl>
-                                          <p:spTgt spid="6"/>
-                                        </p:tgtEl>
-                                        <p:attrNameLst>
-                                          <p:attrName>style.visibility</p:attrName>
-                                        </p:attrNameLst>
-                                      </p:cBhvr>
-                                      <p:to>
-                                        <p:strVal val="visible"/>
-                                      </p:to>
-                                    </p:set>
-                                  </p:childTnLst>
-                                </p:cTn>
-                              </p:par>
-                              <p:par>
-                                <p:cTn id="11" presetID="1" presetClass="entr" presetSubtype="0" fill="hold" grpId="0" nodeType="withEffect">
-                                  <p:stCondLst>
-                                    <p:cond delay="0"/>
-                                  </p:stCondLst>
-                                  <p:childTnLst>
-                                    <p:set>
-                                      <p:cBhvr>
-                                        <p:cTn id="12" dur="1" fill="hold">
-                                          <p:stCondLst>
-                                            <p:cond delay="0"/>
-                                          </p:stCondLst>
-                                        </p:cTn>
-                                        <p:tgtEl>
-                                          <p:spTgt spid="7"/>
-                                        </p:tgtEl>
-                                        <p:attrNameLst>
-                                          <p:attrName>style.visibility</p:attrName>
-                                        </p:attrNameLst>
-                                      </p:cBhvr>
-                                      <p:to>
-                                        <p:strVal val="visible"/>
-                                      </p:to>
-                                    </p:set>
-                                  </p:childTnLst>
-                                </p:cTn>
-                              </p:par>
-                            </p:childTnLst>
-                          </p:cTn>
-                        </p:par>
-                      </p:childTnLst>
-                    </p:cTn>
-                  </p:par>
-                </p:childTnLst>
-              </p:cTn>
-              <p:prevCondLst>
-                <p:cond evt="onPrev" delay="0">
-                  <p:tgtEl>
-                    <p:sldTgt/>
-                  </p:tgtEl>
-                </p:cond>
-              </p:prevCondLst>
-              <p:nextCondLst>
-                <p:cond evt="onNext" delay="0">
-                  <p:tgtEl>
-                    <p:sldTgt/>
-                  </p:tgtEl>
-                </p:cond>
-              </p:nextCondLst>
-            </p:seq>
-          </p:childTnLst>
-        </p:cTn>
-      </p:par>
-    </p:tnLst>
-    <p:bldLst>
-      <p:bldP spid="5" grpId="0"/>
-      <p:bldP spid="6" grpId="0"/>
-      <p:bldP spid="7" grpId="0"/>
-    </p:bldLst>
-  </p:timing>
-</p:sld>
-</file>
-
-<file path=ppt/slides/slide20.xml><?xml version="1.0" encoding="utf-8"?>
-<p:sld xmlns:a="http://schemas.openxmlformats.org/drawingml/2006/main" xmlns:r="http://schemas.openxmlformats.org/officeDocument/2006/relationships" xmlns:p="http://schemas.openxmlformats.org/presentationml/2006/main">
-  <p:cSld>
-    <p:spTree>
-      <p:nvGrpSpPr>
-        <p:cNvPr id="1" name=""/>
-        <p:cNvGrpSpPr/>
-        <p:nvPr/>
-      </p:nvGrpSpPr>
-      <p:grpSpPr>
-        <a:xfrm>
-          <a:off x="0" y="0"/>
-          <a:ext cx="0" cy="0"/>
-          <a:chOff x="0" y="0"/>
-          <a:chExt cx="0" cy="0"/>
-        </a:xfrm>
-      </p:grpSpPr>
-      <p:sp>
-        <p:nvSpPr>
-          <p:cNvPr id="2" name="Title 1"/>
-          <p:cNvSpPr>
-            <a:spLocks noGrp="1"/>
-          </p:cNvSpPr>
-          <p:nvPr>
-            <p:ph type="title"/>
-          </p:nvPr>
-        </p:nvSpPr>
-        <p:spPr/>
-        <p:txBody>
-          <a:bodyPr/>
-          <a:lstStyle/>
-          <a:p>
-            <a:r>
-              <a:rPr lang="en-US" dirty="0" smtClean="0"/>
-              <a:t>Angular 1 vs 2</a:t>
-            </a:r>
-            <a:endParaRPr lang="en-US" dirty="0"/>
-          </a:p>
-        </p:txBody>
-      </p:sp>
-      <p:sp>
-        <p:nvSpPr>
-          <p:cNvPr id="3" name="Content Placeholder 2"/>
-          <p:cNvSpPr>
-            <a:spLocks noGrp="1"/>
-          </p:cNvSpPr>
-          <p:nvPr>
-            <p:ph idx="1"/>
-          </p:nvPr>
-        </p:nvSpPr>
-        <p:spPr/>
-        <p:txBody>
-          <a:bodyPr/>
-          <a:lstStyle/>
-          <a:p>
-            <a:pPr marL="0" indent="0">
-              <a:buNone/>
-            </a:pPr>
-            <a:r>
-              <a:rPr lang="en-US" dirty="0" smtClean="0"/>
-              <a:t>(what people say)</a:t>
-            </a:r>
-          </a:p>
-          <a:p>
-            <a:r>
-              <a:rPr lang="en-US" dirty="0" smtClean="0"/>
-              <a:t>2 is too raw</a:t>
-            </a:r>
-          </a:p>
-          <a:p>
-            <a:r>
-              <a:rPr lang="en-US" dirty="0" smtClean="0"/>
-              <a:t>1 can be upgraded using </a:t>
-            </a:r>
-            <a:r>
-              <a:rPr lang="en-US" dirty="0" err="1" smtClean="0"/>
-              <a:t>ngForward</a:t>
-            </a:r>
-            <a:endParaRPr lang="en-US" dirty="0" smtClean="0"/>
-          </a:p>
-          <a:p>
-            <a:r>
-              <a:rPr lang="en-US" dirty="0" smtClean="0"/>
-              <a:t>2 has better performance</a:t>
-            </a:r>
-          </a:p>
-          <a:p>
-            <a:r>
-              <a:rPr lang="en-US" dirty="0" smtClean="0"/>
-              <a:t>1 will still be supported</a:t>
-            </a:r>
-          </a:p>
-          <a:p>
-            <a:r>
-              <a:rPr lang="en-US" dirty="0" smtClean="0"/>
-              <a:t>2 uses TS and ES6</a:t>
-            </a:r>
-          </a:p>
-        </p:txBody>
-      </p:sp>
-    </p:spTree>
-    <p:extLst>
-      <p:ext uri="{BB962C8B-B14F-4D97-AF65-F5344CB8AC3E}">
-        <p14:creationId xmlns:p14="http://schemas.microsoft.com/office/powerpoint/2010/main" val="1269660243"/>
-      </p:ext>
-    </p:extLst>
-  </p:cSld>
-  <p:clrMapOvr>
-    <a:masterClrMapping/>
-  </p:clrMapOvr>
-</p:sld>
-</file>
-
-<file path=ppt/slides/slide3.xml><?xml version="1.0" encoding="utf-8"?>
-<p:sld xmlns:a="http://schemas.openxmlformats.org/drawingml/2006/main" xmlns:r="http://schemas.openxmlformats.org/officeDocument/2006/relationships" xmlns:p="http://schemas.openxmlformats.org/presentationml/2006/main">
-  <p:cSld>
-    <p:spTree>
-      <p:nvGrpSpPr>
-        <p:cNvPr id="1" name=""/>
-        <p:cNvGrpSpPr/>
-        <p:nvPr/>
-      </p:nvGrpSpPr>
-      <p:grpSpPr>
-        <a:xfrm>
-          <a:off x="0" y="0"/>
-          <a:ext cx="0" cy="0"/>
-          <a:chOff x="0" y="0"/>
-          <a:chExt cx="0" cy="0"/>
-        </a:xfrm>
-      </p:grpSpPr>
-      <p:sp>
-        <p:nvSpPr>
-          <p:cNvPr id="2" name="Title 1"/>
-          <p:cNvSpPr>
-            <a:spLocks noGrp="1"/>
-          </p:cNvSpPr>
-          <p:nvPr>
-            <p:ph type="title"/>
-          </p:nvPr>
-        </p:nvSpPr>
-        <p:spPr/>
-        <p:txBody>
-          <a:bodyPr/>
-          <a:lstStyle/>
-          <a:p>
-            <a:r>
-              <a:rPr lang="en-US" dirty="0" smtClean="0">
-                <a:latin typeface="Courier New" panose="02070309020205020404" pitchFamily="49" charset="0"/>
-                <a:cs typeface="Courier New" panose="02070309020205020404" pitchFamily="49" charset="0"/>
-              </a:rPr>
-              <a:t>The Zen of Angular</a:t>
-            </a:r>
-            <a:endParaRPr lang="ru-RU" dirty="0">
-              <a:latin typeface="Courier New" panose="02070309020205020404" pitchFamily="49" charset="0"/>
-              <a:cs typeface="Courier New" panose="02070309020205020404" pitchFamily="49" charset="0"/>
-            </a:endParaRPr>
-          </a:p>
-        </p:txBody>
-      </p:sp>
-      <p:sp>
-        <p:nvSpPr>
-          <p:cNvPr id="3" name="Content Placeholder 2"/>
-          <p:cNvSpPr>
-            <a:spLocks noGrp="1"/>
-          </p:cNvSpPr>
-          <p:nvPr>
-            <p:ph idx="1"/>
-          </p:nvPr>
-        </p:nvSpPr>
-        <p:spPr>
-          <a:xfrm>
-            <a:off x="457200" y="1600201"/>
-            <a:ext cx="8229600" cy="1219200"/>
-          </a:xfrm>
-        </p:spPr>
-        <p:txBody>
-          <a:bodyPr>
-            <a:normAutofit/>
-          </a:bodyPr>
-          <a:lstStyle/>
-          <a:p>
-            <a:r>
-              <a:rPr lang="en-US" sz="2000" dirty="0"/>
-              <a:t>decouple DOM manipulation from app </a:t>
-            </a:r>
-            <a:r>
-              <a:rPr lang="en-US" sz="2000" dirty="0" smtClean="0"/>
-              <a:t>logic</a:t>
-            </a:r>
-          </a:p>
-          <a:p>
-            <a:r>
-              <a:rPr lang="en-US" sz="2000" dirty="0" smtClean="0"/>
-              <a:t>well structured coding</a:t>
-            </a:r>
-          </a:p>
-          <a:p>
-            <a:r>
-              <a:rPr lang="en-US" sz="2000" dirty="0" smtClean="0"/>
-              <a:t>2-way </a:t>
-            </a:r>
-            <a:r>
-              <a:rPr lang="en-US" sz="2000" dirty="0" smtClean="0"/>
-              <a:t>binding</a:t>
-            </a:r>
-            <a:endParaRPr lang="en-US" sz="2000" dirty="0" smtClean="0"/>
-          </a:p>
-        </p:txBody>
-      </p:sp>
-      <p:sp>
-        <p:nvSpPr>
-          <p:cNvPr id="5" name="TextBox 4"/>
-          <p:cNvSpPr txBox="1"/>
-          <p:nvPr/>
-        </p:nvSpPr>
-        <p:spPr>
-          <a:xfrm>
-            <a:off x="4704114" y="2947537"/>
-            <a:ext cx="4335862" cy="461665"/>
-          </a:xfrm>
-          <a:prstGeom prst="rect">
-            <a:avLst/>
-          </a:prstGeom>
-          <a:noFill/>
-        </p:spPr>
-        <p:txBody>
-          <a:bodyPr wrap="square" rtlCol="0">
-            <a:spAutoFit/>
-          </a:bodyPr>
-          <a:lstStyle/>
-          <a:p>
-            <a:r>
-              <a:rPr lang="en-US" sz="2400" dirty="0" smtClean="0"/>
-              <a:t>Does it have an engine? VM?</a:t>
-            </a:r>
-            <a:endParaRPr lang="en-US" sz="2400" dirty="0"/>
-          </a:p>
-        </p:txBody>
-      </p:sp>
-      <p:sp>
-        <p:nvSpPr>
-          <p:cNvPr id="6" name="TextBox 5"/>
-          <p:cNvSpPr txBox="1"/>
-          <p:nvPr/>
-        </p:nvSpPr>
-        <p:spPr>
-          <a:xfrm>
-            <a:off x="1524000" y="4569769"/>
-            <a:ext cx="3358150" cy="369332"/>
-          </a:xfrm>
-          <a:prstGeom prst="rect">
-            <a:avLst/>
-          </a:prstGeom>
-          <a:noFill/>
-        </p:spPr>
-        <p:txBody>
-          <a:bodyPr wrap="square" rtlCol="0">
-            <a:spAutoFit/>
-          </a:bodyPr>
-          <a:lstStyle/>
-          <a:p>
-            <a:r>
-              <a:rPr lang="en-US" i="1" dirty="0" smtClean="0"/>
-              <a:t>It’s something that always breaks</a:t>
-            </a:r>
-            <a:endParaRPr lang="en-US" sz="3200" i="1" dirty="0"/>
-          </a:p>
-        </p:txBody>
-      </p:sp>
-      <p:sp>
-        <p:nvSpPr>
-          <p:cNvPr id="7" name="Rectangle 6"/>
-          <p:cNvSpPr/>
-          <p:nvPr/>
-        </p:nvSpPr>
-        <p:spPr>
-          <a:xfrm>
-            <a:off x="1043440" y="4482187"/>
-            <a:ext cx="470000" cy="707886"/>
-          </a:xfrm>
-          <a:prstGeom prst="rect">
-            <a:avLst/>
-          </a:prstGeom>
-        </p:spPr>
-        <p:txBody>
-          <a:bodyPr wrap="none">
-            <a:spAutoFit/>
-          </a:bodyPr>
-          <a:lstStyle/>
-          <a:p>
-            <a:r>
-              <a:rPr lang="en-US" sz="4000" i="1" dirty="0">
-                <a:latin typeface="Times New Roman" panose="02020603050405020304" pitchFamily="18" charset="0"/>
-                <a:cs typeface="Times New Roman" panose="02020603050405020304" pitchFamily="18" charset="0"/>
-              </a:rPr>
-              <a:t>“</a:t>
-            </a:r>
-          </a:p>
-        </p:txBody>
-      </p:sp>
-      <p:sp>
-        <p:nvSpPr>
-          <p:cNvPr id="8" name="Rectangle 4"/>
-          <p:cNvSpPr>
-            <a:spLocks noChangeArrowheads="1"/>
-          </p:cNvSpPr>
-          <p:nvPr/>
-        </p:nvSpPr>
-        <p:spPr bwMode="auto">
-          <a:xfrm>
-            <a:off x="5500445" y="4079412"/>
-            <a:ext cx="2743200" cy="402775"/>
-          </a:xfrm>
-          <a:prstGeom prst="rect">
-            <a:avLst/>
-          </a:prstGeom>
-          <a:solidFill>
-            <a:srgbClr val="F5F2F0"/>
-          </a:solidFill>
-          <a:ln>
-            <a:noFill/>
-          </a:ln>
-          <a:effectLst/>
-          <a:extLst>
-            <a:ext uri="{91240B29-F687-4F45-9708-019B960494DF}">
-              <a14:hiddenLine xmlns:a14="http://schemas.microsoft.com/office/drawing/2010/main" w="9525">
-                <a:solidFill>
-                  <a:schemeClr val="tx1"/>
-                </a:solidFill>
-                <a:miter lim="800000"/>
-                <a:headEnd/>
-                <a:tailEnd/>
-              </a14:hiddenLine>
-            </a:ext>
-            <a:ext uri="{AF507438-7753-43E0-B8FC-AC1667EBCBE1}">
-              <a14:hiddenEffects xmlns:a14="http://schemas.microsoft.com/office/drawing/2010/main">
-                <a:effectLst>
-                  <a:outerShdw dist="35921" dir="2700000" algn="ctr" rotWithShape="0">
-                    <a:schemeClr val="bg2"/>
-                  </a:outerShdw>
-                </a:effectLst>
-              </a14:hiddenEffects>
-            </a:ext>
-          </a:extLst>
-        </p:spPr>
-        <p:txBody>
-          <a:bodyPr vert="horz" wrap="square" lIns="108000" tIns="108000" rIns="108000" bIns="108000" numCol="1" anchor="ctr" anchorCtr="0" compatLnSpc="1">
-            <a:prstTxWarp prst="textNoShape">
-              <a:avLst/>
-            </a:prstTxWarp>
-            <a:spAutoFit/>
-          </a:bodyPr>
-          <a:lstStyle/>
-          <a:p>
-            <a:pPr lvl="0" eaLnBrk="0" fontAlgn="base" hangingPunct="0">
-              <a:spcBef>
-                <a:spcPct val="0"/>
-              </a:spcBef>
-              <a:spcAft>
-                <a:spcPct val="0"/>
-              </a:spcAft>
-            </a:pPr>
-            <a:endParaRPr lang="en-US" altLang="en-US" sz="1100" dirty="0">
-              <a:latin typeface="Arial" panose="020B0604020202020204" pitchFamily="34" charset="0"/>
-            </a:endParaRPr>
-          </a:p>
-        </p:txBody>
-      </p:sp>
-    </p:spTree>
-    <p:extLst>
-      <p:ext uri="{BB962C8B-B14F-4D97-AF65-F5344CB8AC3E}">
-        <p14:creationId xmlns:p14="http://schemas.microsoft.com/office/powerpoint/2010/main" val="3797030103"/>
-      </p:ext>
-    </p:extLst>
-  </p:cSld>
-  <p:clrMapOvr>
-    <a:masterClrMapping/>
-  </p:clrMapOvr>
-  <mc:AlternateContent xmlns:mc="http://schemas.openxmlformats.org/markup-compatibility/2006">
-    <mc:Choice xmlns:p14="http://schemas.microsoft.com/office/powerpoint/2010/main" Requires="p14">
-      <p:transition spd="slow" p14:dur="2000"/>
-    </mc:Choice>
-    <mc:Fallback>
       <p:transition spd="slow"/>
     </mc:Fallback>
   </mc:AlternateContent>
@@ -8031,11 +7487,11 @@
   <p:clrMapOvr>
     <a:masterClrMapping/>
   </p:clrMapOvr>
-  <mc:AlternateContent xmlns:mc="http://schemas.openxmlformats.org/markup-compatibility/2006">
-    <mc:Choice xmlns:p14="http://schemas.microsoft.com/office/powerpoint/2010/main" Requires="p14">
+  <mc:AlternateContent xmlns:mc="http://schemas.openxmlformats.org/markup-compatibility/2006" xmlns:p14="http://schemas.microsoft.com/office/powerpoint/2010/main">
+    <mc:Choice Requires="p14">
       <p:transition spd="slow" p14:dur="2000"/>
     </mc:Choice>
-    <mc:Fallback>
+    <mc:Fallback xmlns="">
       <p:transition spd="slow"/>
     </mc:Fallback>
   </mc:AlternateContent>
@@ -8117,11 +7573,11 @@
   <p:clrMapOvr>
     <a:masterClrMapping/>
   </p:clrMapOvr>
-  <mc:AlternateContent xmlns:mc="http://schemas.openxmlformats.org/markup-compatibility/2006">
-    <mc:Choice xmlns:p14="http://schemas.microsoft.com/office/powerpoint/2010/main" Requires="p14">
+  <mc:AlternateContent xmlns:mc="http://schemas.openxmlformats.org/markup-compatibility/2006" xmlns:p14="http://schemas.microsoft.com/office/powerpoint/2010/main">
+    <mc:Choice Requires="p14">
       <p:transition spd="slow" p14:dur="2000"/>
     </mc:Choice>
-    <mc:Fallback>
+    <mc:Fallback xmlns="">
       <p:transition spd="slow"/>
     </mc:Fallback>
   </mc:AlternateContent>
